--- a/week6_pythonI/week6_python.pptx
+++ b/week6_pythonI/week6_python.pptx
@@ -5,19 +5,21 @@
     <p:sldMasterId id="2147483648" r:id="rId1"/>
   </p:sldMasterIdLst>
   <p:notesMasterIdLst>
-    <p:notesMasterId r:id="rId12"/>
+    <p:notesMasterId r:id="rId14"/>
   </p:notesMasterIdLst>
   <p:sldIdLst>
     <p:sldId id="256" r:id="rId2"/>
     <p:sldId id="307" r:id="rId3"/>
     <p:sldId id="315" r:id="rId4"/>
-    <p:sldId id="309" r:id="rId5"/>
-    <p:sldId id="310" r:id="rId6"/>
-    <p:sldId id="314" r:id="rId7"/>
-    <p:sldId id="311" r:id="rId8"/>
-    <p:sldId id="316" r:id="rId9"/>
-    <p:sldId id="308" r:id="rId10"/>
-    <p:sldId id="286" r:id="rId11"/>
+    <p:sldId id="317" r:id="rId5"/>
+    <p:sldId id="309" r:id="rId6"/>
+    <p:sldId id="310" r:id="rId7"/>
+    <p:sldId id="314" r:id="rId8"/>
+    <p:sldId id="311" r:id="rId9"/>
+    <p:sldId id="316" r:id="rId10"/>
+    <p:sldId id="308" r:id="rId11"/>
+    <p:sldId id="318" r:id="rId12"/>
+    <p:sldId id="286" r:id="rId13"/>
   </p:sldIdLst>
   <p:sldSz cx="12192000" cy="6858000"/>
   <p:notesSz cx="6858000" cy="9144000"/>
@@ -206,7 +208,7 @@
           <a:p>
             <a:fld id="{56D77398-3147-2349-91B4-8DD464C64BCA}" type="datetimeFigureOut">
               <a:rPr lang="en-US" smtClean="0"/>
-              <a:t>9/27/20</a:t>
+              <a:t>9/27/21</a:t>
             </a:fld>
             <a:endParaRPr lang="en-US"/>
           </a:p>
@@ -704,7 +706,7 @@
           <a:p>
             <a:fld id="{CDDF0107-2D27-914A-9F22-DFB09E04F050}" type="datetimeFigureOut">
               <a:rPr lang="en-US" smtClean="0"/>
-              <a:t>9/27/20</a:t>
+              <a:t>9/27/21</a:t>
             </a:fld>
             <a:endParaRPr lang="en-US"/>
           </a:p>
@@ -902,7 +904,7 @@
           <a:p>
             <a:fld id="{CDDF0107-2D27-914A-9F22-DFB09E04F050}" type="datetimeFigureOut">
               <a:rPr lang="en-US" smtClean="0"/>
-              <a:t>9/27/20</a:t>
+              <a:t>9/27/21</a:t>
             </a:fld>
             <a:endParaRPr lang="en-US"/>
           </a:p>
@@ -1110,7 +1112,7 @@
           <a:p>
             <a:fld id="{CDDF0107-2D27-914A-9F22-DFB09E04F050}" type="datetimeFigureOut">
               <a:rPr lang="en-US" smtClean="0"/>
-              <a:t>9/27/20</a:t>
+              <a:t>9/27/21</a:t>
             </a:fld>
             <a:endParaRPr lang="en-US"/>
           </a:p>
@@ -1308,7 +1310,7 @@
           <a:p>
             <a:fld id="{CDDF0107-2D27-914A-9F22-DFB09E04F050}" type="datetimeFigureOut">
               <a:rPr lang="en-US" smtClean="0"/>
-              <a:t>9/27/20</a:t>
+              <a:t>9/27/21</a:t>
             </a:fld>
             <a:endParaRPr lang="en-US"/>
           </a:p>
@@ -1583,7 +1585,7 @@
           <a:p>
             <a:fld id="{CDDF0107-2D27-914A-9F22-DFB09E04F050}" type="datetimeFigureOut">
               <a:rPr lang="en-US" smtClean="0"/>
-              <a:t>9/27/20</a:t>
+              <a:t>9/27/21</a:t>
             </a:fld>
             <a:endParaRPr lang="en-US"/>
           </a:p>
@@ -1848,7 +1850,7 @@
           <a:p>
             <a:fld id="{CDDF0107-2D27-914A-9F22-DFB09E04F050}" type="datetimeFigureOut">
               <a:rPr lang="en-US" smtClean="0"/>
-              <a:t>9/27/20</a:t>
+              <a:t>9/27/21</a:t>
             </a:fld>
             <a:endParaRPr lang="en-US"/>
           </a:p>
@@ -2260,7 +2262,7 @@
           <a:p>
             <a:fld id="{CDDF0107-2D27-914A-9F22-DFB09E04F050}" type="datetimeFigureOut">
               <a:rPr lang="en-US" smtClean="0"/>
-              <a:t>9/27/20</a:t>
+              <a:t>9/27/21</a:t>
             </a:fld>
             <a:endParaRPr lang="en-US"/>
           </a:p>
@@ -2401,7 +2403,7 @@
           <a:p>
             <a:fld id="{CDDF0107-2D27-914A-9F22-DFB09E04F050}" type="datetimeFigureOut">
               <a:rPr lang="en-US" smtClean="0"/>
-              <a:t>9/27/20</a:t>
+              <a:t>9/27/21</a:t>
             </a:fld>
             <a:endParaRPr lang="en-US"/>
           </a:p>
@@ -2514,7 +2516,7 @@
           <a:p>
             <a:fld id="{CDDF0107-2D27-914A-9F22-DFB09E04F050}" type="datetimeFigureOut">
               <a:rPr lang="en-US" smtClean="0"/>
-              <a:t>9/27/20</a:t>
+              <a:t>9/27/21</a:t>
             </a:fld>
             <a:endParaRPr lang="en-US"/>
           </a:p>
@@ -2825,7 +2827,7 @@
           <a:p>
             <a:fld id="{CDDF0107-2D27-914A-9F22-DFB09E04F050}" type="datetimeFigureOut">
               <a:rPr lang="en-US" smtClean="0"/>
-              <a:t>9/27/20</a:t>
+              <a:t>9/27/21</a:t>
             </a:fld>
             <a:endParaRPr lang="en-US"/>
           </a:p>
@@ -3113,7 +3115,7 @@
           <a:p>
             <a:fld id="{CDDF0107-2D27-914A-9F22-DFB09E04F050}" type="datetimeFigureOut">
               <a:rPr lang="en-US" smtClean="0"/>
-              <a:t>9/27/20</a:t>
+              <a:t>9/27/21</a:t>
             </a:fld>
             <a:endParaRPr lang="en-US"/>
           </a:p>
@@ -3354,7 +3356,7 @@
           <a:p>
             <a:fld id="{CDDF0107-2D27-914A-9F22-DFB09E04F050}" type="datetimeFigureOut">
               <a:rPr lang="en-US" smtClean="0"/>
-              <a:t>9/27/20</a:t>
+              <a:t>9/27/21</a:t>
             </a:fld>
             <a:endParaRPr lang="en-US"/>
           </a:p>
@@ -4187,6 +4189,758 @@
       </p:grpSpPr>
       <p:sp>
         <p:nvSpPr>
+          <p:cNvPr id="2" name="Rectangle 1">
+            <a:extLst>
+              <a:ext uri="{FF2B5EF4-FFF2-40B4-BE49-F238E27FC236}">
+                <a16:creationId xmlns:a16="http://schemas.microsoft.com/office/drawing/2014/main" id="{C0DC5892-0CFC-524E-BB4E-0851726A9AE2}"/>
+              </a:ext>
+            </a:extLst>
+          </p:cNvPr>
+          <p:cNvSpPr/>
+          <p:nvPr/>
+        </p:nvSpPr>
+        <p:spPr>
+          <a:xfrm>
+            <a:off x="457200" y="399030"/>
+            <a:ext cx="10849232" cy="3816429"/>
+          </a:xfrm>
+          <a:prstGeom prst="rect">
+            <a:avLst/>
+          </a:prstGeom>
+        </p:spPr>
+        <p:txBody>
+          <a:bodyPr wrap="square">
+            <a:spAutoFit/>
+          </a:bodyPr>
+          <a:lstStyle/>
+          <a:p>
+            <a:r>
+              <a:rPr lang="en-US" sz="2200" b="1" dirty="0">
+                <a:latin typeface="Helvetica Light" panose="020B0403020202020204" pitchFamily="34" charset="0"/>
+              </a:rPr>
+              <a:t>Practice script 3. </a:t>
+            </a:r>
+            <a:r>
+              <a:rPr lang="en-US" sz="2200" dirty="0">
+                <a:latin typeface="Helvetica Light" panose="020B0403020202020204" pitchFamily="34" charset="0"/>
+              </a:rPr>
+              <a:t>Write a python script to calculate expected genotype frequencies in a population under Hardy Weinberg Equilibrium based on known allele frequencies at a gene with TWO alleles. As a reminder, a population under Hardy-Weinberg equilibrium has genotype frequencies predictable from allele frequencies (</a:t>
+            </a:r>
+            <a:r>
+              <a:rPr lang="en-US" sz="2200" b="1" dirty="0">
+                <a:latin typeface="Helvetica Light" panose="020B0403020202020204" pitchFamily="34" charset="0"/>
+              </a:rPr>
+              <a:t>p</a:t>
+            </a:r>
+            <a:r>
+              <a:rPr lang="en-US" sz="2200" dirty="0">
+                <a:latin typeface="Helvetica Light" panose="020B0403020202020204" pitchFamily="34" charset="0"/>
+              </a:rPr>
+              <a:t> and </a:t>
+            </a:r>
+            <a:r>
+              <a:rPr lang="en-US" sz="2200" b="1" dirty="0">
+                <a:latin typeface="Helvetica Light" panose="020B0403020202020204" pitchFamily="34" charset="0"/>
+              </a:rPr>
+              <a:t>q</a:t>
+            </a:r>
+            <a:r>
+              <a:rPr lang="en-US" sz="2200" dirty="0">
+                <a:latin typeface="Helvetica Light" panose="020B0403020202020204" pitchFamily="34" charset="0"/>
+              </a:rPr>
+              <a:t>):</a:t>
+            </a:r>
+          </a:p>
+          <a:p>
+            <a:r>
+              <a:rPr lang="en-US" sz="2200" dirty="0">
+                <a:latin typeface="Helvetica Light" panose="020B0403020202020204" pitchFamily="34" charset="0"/>
+              </a:rPr>
+              <a:t> </a:t>
+            </a:r>
+          </a:p>
+          <a:p>
+            <a:r>
+              <a:rPr lang="en-US" sz="2200" b="1" dirty="0">
+                <a:latin typeface="Helvetica Light" panose="020B0403020202020204" pitchFamily="34" charset="0"/>
+              </a:rPr>
+              <a:t>p**2 + 2pq + q**2 = 1</a:t>
+            </a:r>
+          </a:p>
+          <a:p>
+            <a:endParaRPr lang="en-US" sz="2200" b="1" dirty="0">
+              <a:latin typeface="Helvetica Light" panose="020B0403020202020204" pitchFamily="34" charset="0"/>
+            </a:endParaRPr>
+          </a:p>
+          <a:p>
+            <a:r>
+              <a:rPr lang="en-US" sz="2200" dirty="0">
+                <a:latin typeface="Helvetica Light" panose="020B0403020202020204" pitchFamily="34" charset="0"/>
+              </a:rPr>
+              <a:t>So, your script needs to return three values: The AA genotype </a:t>
+            </a:r>
+            <a:r>
+              <a:rPr lang="en-US" sz="2200" dirty="0" err="1">
+                <a:latin typeface="Helvetica Light" panose="020B0403020202020204" pitchFamily="34" charset="0"/>
+              </a:rPr>
+              <a:t>freq</a:t>
+            </a:r>
+            <a:r>
+              <a:rPr lang="en-US" sz="2200" dirty="0">
+                <a:latin typeface="Helvetica Light" panose="020B0403020202020204" pitchFamily="34" charset="0"/>
+              </a:rPr>
+              <a:t>: </a:t>
+            </a:r>
+            <a:r>
+              <a:rPr lang="en-US" sz="2200" b="1" dirty="0">
+                <a:latin typeface="Helvetica Light" panose="020B0403020202020204" pitchFamily="34" charset="0"/>
+              </a:rPr>
+              <a:t>p**2</a:t>
+            </a:r>
+          </a:p>
+          <a:p>
+            <a:r>
+              <a:rPr lang="en-US" sz="2200" b="1" dirty="0">
+                <a:latin typeface="Helvetica Light" panose="020B0403020202020204" pitchFamily="34" charset="0"/>
+              </a:rPr>
+              <a:t>						 The </a:t>
+            </a:r>
+            <a:r>
+              <a:rPr lang="en-US" sz="2200" dirty="0">
+                <a:latin typeface="Helvetica Light" panose="020B0403020202020204" pitchFamily="34" charset="0"/>
+              </a:rPr>
+              <a:t>Aa genotype freq.: </a:t>
+            </a:r>
+            <a:r>
+              <a:rPr lang="en-US" sz="2200" b="1" dirty="0">
+                <a:latin typeface="Helvetica Light" panose="020B0403020202020204" pitchFamily="34" charset="0"/>
+              </a:rPr>
+              <a:t>2pq</a:t>
+            </a:r>
+          </a:p>
+          <a:p>
+            <a:r>
+              <a:rPr lang="en-US" sz="2200" b="1" dirty="0">
+                <a:latin typeface="Helvetica Light" panose="020B0403020202020204" pitchFamily="34" charset="0"/>
+              </a:rPr>
+              <a:t>						 The</a:t>
+            </a:r>
+            <a:r>
+              <a:rPr lang="en-US" sz="2200" dirty="0">
+                <a:latin typeface="Helvetica Light" panose="020B0403020202020204" pitchFamily="34" charset="0"/>
+              </a:rPr>
+              <a:t> aa genotype freq.: </a:t>
+            </a:r>
+            <a:r>
+              <a:rPr lang="en-US" sz="2200" b="1" dirty="0">
+                <a:latin typeface="Helvetica Light" panose="020B0403020202020204" pitchFamily="34" charset="0"/>
+              </a:rPr>
+              <a:t>q**2 = 1)</a:t>
+            </a:r>
+          </a:p>
+        </p:txBody>
+      </p:sp>
+      <p:sp>
+        <p:nvSpPr>
+          <p:cNvPr id="3" name="Rectangle 2">
+            <a:extLst>
+              <a:ext uri="{FF2B5EF4-FFF2-40B4-BE49-F238E27FC236}">
+                <a16:creationId xmlns:a16="http://schemas.microsoft.com/office/drawing/2014/main" id="{4E9CE7FB-2AD3-1348-8710-44B629CDD5A3}"/>
+              </a:ext>
+            </a:extLst>
+          </p:cNvPr>
+          <p:cNvSpPr/>
+          <p:nvPr/>
+        </p:nvSpPr>
+        <p:spPr>
+          <a:xfrm>
+            <a:off x="362465" y="4215459"/>
+            <a:ext cx="11372335" cy="2339102"/>
+          </a:xfrm>
+          <a:prstGeom prst="rect">
+            <a:avLst/>
+          </a:prstGeom>
+          <a:ln w="19050">
+            <a:solidFill>
+              <a:schemeClr val="tx1"/>
+            </a:solidFill>
+          </a:ln>
+        </p:spPr>
+        <p:txBody>
+          <a:bodyPr wrap="square">
+            <a:spAutoFit/>
+          </a:bodyPr>
+          <a:lstStyle/>
+          <a:p>
+            <a:r>
+              <a:rPr lang="en-US" sz="2000" b="1" dirty="0">
+                <a:latin typeface="Helvetica Light" panose="020B0403020202020204" pitchFamily="34" charset="0"/>
+              </a:rPr>
+              <a:t>Points (hints)</a:t>
+            </a:r>
+          </a:p>
+          <a:p>
+            <a:pPr marL="342900" indent="-342900">
+              <a:buFontTx/>
+              <a:buChar char="-"/>
+            </a:pPr>
+            <a:r>
+              <a:rPr lang="en-US" dirty="0">
+                <a:latin typeface="Helvetica Light" panose="020B0403020202020204" pitchFamily="34" charset="0"/>
+              </a:rPr>
+              <a:t>The program should use the </a:t>
+            </a:r>
+            <a:r>
+              <a:rPr lang="en-US" b="1" dirty="0">
+                <a:latin typeface="Helvetica Light" panose="020B0403020202020204" pitchFamily="34" charset="0"/>
+              </a:rPr>
+              <a:t>input() </a:t>
+            </a:r>
+            <a:r>
+              <a:rPr lang="en-US" dirty="0">
+                <a:latin typeface="Helvetica Light" panose="020B0403020202020204" pitchFamily="34" charset="0"/>
+              </a:rPr>
+              <a:t>function to prompt for the command line entry of two values from the command line.</a:t>
+            </a:r>
+          </a:p>
+          <a:p>
+            <a:pPr marL="342900" indent="-342900">
+              <a:buFontTx/>
+              <a:buChar char="-"/>
+            </a:pPr>
+            <a:endParaRPr lang="en-US" dirty="0">
+              <a:latin typeface="Helvetica Light" panose="020B0403020202020204" pitchFamily="34" charset="0"/>
+            </a:endParaRPr>
+          </a:p>
+          <a:p>
+            <a:pPr marL="342900" indent="-342900">
+              <a:buFontTx/>
+              <a:buChar char="-"/>
+            </a:pPr>
+            <a:r>
+              <a:rPr lang="en-US" dirty="0">
+                <a:latin typeface="Helvetica Light" panose="020B0403020202020204" pitchFamily="34" charset="0"/>
+              </a:rPr>
+              <a:t>If you supply two values, e.g., 0.2 and 0.8, python will want to treat these as strings. So, before doing math you will need to convert them to floats </a:t>
+            </a:r>
+            <a:r>
+              <a:rPr lang="en-US" b="1" dirty="0">
+                <a:latin typeface="Helvetica Light" panose="020B0403020202020204" pitchFamily="34" charset="0"/>
+              </a:rPr>
+              <a:t>(A = float(</a:t>
+            </a:r>
+            <a:r>
+              <a:rPr lang="en-US" b="1" dirty="0" err="1">
+                <a:latin typeface="Helvetica Light" panose="020B0403020202020204" pitchFamily="34" charset="0"/>
+              </a:rPr>
+              <a:t>Inputvalue</a:t>
+            </a:r>
+            <a:r>
+              <a:rPr lang="en-US" b="1" dirty="0">
+                <a:latin typeface="Helvetica Light" panose="020B0403020202020204" pitchFamily="34" charset="0"/>
+              </a:rPr>
+              <a:t>))</a:t>
+            </a:r>
+          </a:p>
+          <a:p>
+            <a:pPr marL="342900" indent="-342900">
+              <a:buFontTx/>
+              <a:buChar char="-"/>
+            </a:pPr>
+            <a:endParaRPr lang="en-US" b="1" dirty="0">
+              <a:latin typeface="Helvetica Light" panose="020B0403020202020204" pitchFamily="34" charset="0"/>
+            </a:endParaRPr>
+          </a:p>
+          <a:p>
+            <a:pPr marL="342900" indent="-342900">
+              <a:buFontTx/>
+              <a:buChar char="-"/>
+            </a:pPr>
+            <a:r>
+              <a:rPr lang="en-US" dirty="0">
+                <a:latin typeface="Helvetica Light" panose="020B0403020202020204" pitchFamily="34" charset="0"/>
+              </a:rPr>
+              <a:t>As part of this exercise, you will need to control the precision of the floats printed (e.g., % %)</a:t>
+            </a:r>
+            <a:endParaRPr lang="en-US" b="1" dirty="0">
+              <a:latin typeface="Helvetica Light" panose="020B0403020202020204" pitchFamily="34" charset="0"/>
+            </a:endParaRPr>
+          </a:p>
+        </p:txBody>
+      </p:sp>
+      <p:sp>
+        <p:nvSpPr>
+          <p:cNvPr id="4" name="TextBox 3">
+            <a:extLst>
+              <a:ext uri="{FF2B5EF4-FFF2-40B4-BE49-F238E27FC236}">
+                <a16:creationId xmlns:a16="http://schemas.microsoft.com/office/drawing/2014/main" id="{0C2FFC77-425C-444A-AB1A-BECD6F3B54C9}"/>
+              </a:ext>
+            </a:extLst>
+          </p:cNvPr>
+          <p:cNvSpPr txBox="1"/>
+          <p:nvPr/>
+        </p:nvSpPr>
+        <p:spPr>
+          <a:xfrm>
+            <a:off x="13234086" y="3484605"/>
+            <a:ext cx="184731" cy="369332"/>
+          </a:xfrm>
+          <a:prstGeom prst="rect">
+            <a:avLst/>
+          </a:prstGeom>
+          <a:noFill/>
+          <a:ln>
+            <a:solidFill>
+              <a:schemeClr val="tx1"/>
+            </a:solidFill>
+          </a:ln>
+        </p:spPr>
+        <p:txBody>
+          <a:bodyPr wrap="none" rtlCol="0">
+            <a:spAutoFit/>
+          </a:bodyPr>
+          <a:lstStyle/>
+          <a:p>
+            <a:endParaRPr lang="en-US" dirty="0"/>
+          </a:p>
+        </p:txBody>
+      </p:sp>
+    </p:spTree>
+    <p:extLst>
+      <p:ext uri="{BB962C8B-B14F-4D97-AF65-F5344CB8AC3E}">
+        <p14:creationId xmlns:p14="http://schemas.microsoft.com/office/powerpoint/2010/main" val="697357062"/>
+      </p:ext>
+    </p:extLst>
+  </p:cSld>
+  <p:clrMapOvr>
+    <a:masterClrMapping/>
+  </p:clrMapOvr>
+  <p:timing>
+    <p:tnLst>
+      <p:par>
+        <p:cTn id="1" dur="indefinite" restart="never" nodeType="tmRoot">
+          <p:childTnLst>
+            <p:seq concurrent="1" nextAc="seek">
+              <p:cTn id="2" dur="indefinite" nodeType="mainSeq">
+                <p:childTnLst>
+                  <p:par>
+                    <p:cTn id="3" fill="hold">
+                      <p:stCondLst>
+                        <p:cond delay="indefinite"/>
+                      </p:stCondLst>
+                      <p:childTnLst>
+                        <p:par>
+                          <p:cTn id="4" fill="hold">
+                            <p:stCondLst>
+                              <p:cond delay="0"/>
+                            </p:stCondLst>
+                            <p:childTnLst>
+                              <p:par>
+                                <p:cTn id="5" presetID="1" presetClass="entr" presetSubtype="0" fill="hold" grpId="0" nodeType="clickEffect">
+                                  <p:stCondLst>
+                                    <p:cond delay="0"/>
+                                  </p:stCondLst>
+                                  <p:childTnLst>
+                                    <p:set>
+                                      <p:cBhvr>
+                                        <p:cTn id="6" dur="1" fill="hold">
+                                          <p:stCondLst>
+                                            <p:cond delay="0"/>
+                                          </p:stCondLst>
+                                        </p:cTn>
+                                        <p:tgtEl>
+                                          <p:spTgt spid="3"/>
+                                        </p:tgtEl>
+                                        <p:attrNameLst>
+                                          <p:attrName>style.visibility</p:attrName>
+                                        </p:attrNameLst>
+                                      </p:cBhvr>
+                                      <p:to>
+                                        <p:strVal val="visible"/>
+                                      </p:to>
+                                    </p:set>
+                                  </p:childTnLst>
+                                </p:cTn>
+                              </p:par>
+                            </p:childTnLst>
+                          </p:cTn>
+                        </p:par>
+                      </p:childTnLst>
+                    </p:cTn>
+                  </p:par>
+                </p:childTnLst>
+              </p:cTn>
+              <p:prevCondLst>
+                <p:cond evt="onPrev" delay="0">
+                  <p:tgtEl>
+                    <p:sldTgt/>
+                  </p:tgtEl>
+                </p:cond>
+              </p:prevCondLst>
+              <p:nextCondLst>
+                <p:cond evt="onNext" delay="0">
+                  <p:tgtEl>
+                    <p:sldTgt/>
+                  </p:tgtEl>
+                </p:cond>
+              </p:nextCondLst>
+            </p:seq>
+          </p:childTnLst>
+        </p:cTn>
+      </p:par>
+    </p:tnLst>
+    <p:bldLst>
+      <p:bldP spid="3" grpId="0" animBg="1"/>
+    </p:bldLst>
+  </p:timing>
+</p:sld>
+</file>
+
+<file path=ppt/slides/slide11.xml><?xml version="1.0" encoding="utf-8"?>
+<p:sld xmlns:a="http://schemas.openxmlformats.org/drawingml/2006/main" xmlns:r="http://schemas.openxmlformats.org/officeDocument/2006/relationships" xmlns:p="http://schemas.openxmlformats.org/presentationml/2006/main">
+  <p:cSld>
+    <p:spTree>
+      <p:nvGrpSpPr>
+        <p:cNvPr id="1" name=""/>
+        <p:cNvGrpSpPr/>
+        <p:nvPr/>
+      </p:nvGrpSpPr>
+      <p:grpSpPr>
+        <a:xfrm>
+          <a:off x="0" y="0"/>
+          <a:ext cx="0" cy="0"/>
+          <a:chOff x="0" y="0"/>
+          <a:chExt cx="0" cy="0"/>
+        </a:xfrm>
+      </p:grpSpPr>
+      <p:sp>
+        <p:nvSpPr>
+          <p:cNvPr id="2" name="Rectangle 1">
+            <a:extLst>
+              <a:ext uri="{FF2B5EF4-FFF2-40B4-BE49-F238E27FC236}">
+                <a16:creationId xmlns:a16="http://schemas.microsoft.com/office/drawing/2014/main" id="{61C2B915-E064-284F-A5DB-4F28686FADAB}"/>
+              </a:ext>
+            </a:extLst>
+          </p:cNvPr>
+          <p:cNvSpPr/>
+          <p:nvPr/>
+        </p:nvSpPr>
+        <p:spPr>
+          <a:xfrm>
+            <a:off x="1397876" y="1836321"/>
+            <a:ext cx="7924800" cy="1292662"/>
+          </a:xfrm>
+          <a:prstGeom prst="rect">
+            <a:avLst/>
+          </a:prstGeom>
+          <a:ln>
+            <a:solidFill>
+              <a:schemeClr val="accent1"/>
+            </a:solidFill>
+          </a:ln>
+        </p:spPr>
+        <p:txBody>
+          <a:bodyPr wrap="square">
+            <a:spAutoFit/>
+          </a:bodyPr>
+          <a:lstStyle/>
+          <a:p>
+            <a:r>
+              <a:rPr lang="en-US" sz="2600" dirty="0">
+                <a:latin typeface="Courier" pitchFamily="2" charset="0"/>
+              </a:rPr>
+              <a:t>﻿name3 = input("Enter a string: ")</a:t>
+            </a:r>
+          </a:p>
+          <a:p>
+            <a:endParaRPr lang="en-US" sz="2600" dirty="0">
+              <a:latin typeface="Courier" pitchFamily="2" charset="0"/>
+            </a:endParaRPr>
+          </a:p>
+          <a:p>
+            <a:r>
+              <a:rPr lang="en-US" sz="2600" dirty="0">
+                <a:latin typeface="Courier" pitchFamily="2" charset="0"/>
+              </a:rPr>
+              <a:t>print(name3)</a:t>
+            </a:r>
+          </a:p>
+        </p:txBody>
+      </p:sp>
+      <p:sp>
+        <p:nvSpPr>
+          <p:cNvPr id="3" name="Rectangle 2">
+            <a:extLst>
+              <a:ext uri="{FF2B5EF4-FFF2-40B4-BE49-F238E27FC236}">
+                <a16:creationId xmlns:a16="http://schemas.microsoft.com/office/drawing/2014/main" id="{D446C60C-2780-A249-BFE2-FA1D120D6DB6}"/>
+              </a:ext>
+            </a:extLst>
+          </p:cNvPr>
+          <p:cNvSpPr/>
+          <p:nvPr/>
+        </p:nvSpPr>
+        <p:spPr>
+          <a:xfrm>
+            <a:off x="1397876" y="4140640"/>
+            <a:ext cx="7924800" cy="2492990"/>
+          </a:xfrm>
+          <a:prstGeom prst="rect">
+            <a:avLst/>
+          </a:prstGeom>
+          <a:ln>
+            <a:solidFill>
+              <a:schemeClr val="accent1"/>
+            </a:solidFill>
+          </a:ln>
+        </p:spPr>
+        <p:txBody>
+          <a:bodyPr wrap="square">
+            <a:spAutoFit/>
+          </a:bodyPr>
+          <a:lstStyle/>
+          <a:p>
+            <a:r>
+              <a:rPr lang="en-US" sz="2600" dirty="0">
+                <a:solidFill>
+                  <a:srgbClr val="002060"/>
+                </a:solidFill>
+                <a:latin typeface="Courier" pitchFamily="2" charset="0"/>
+              </a:rPr>
+              <a:t>‘Enter a string: ‘ prompt will appear at command line. Type a string</a:t>
+            </a:r>
+          </a:p>
+          <a:p>
+            <a:endParaRPr lang="en-US" sz="2600" dirty="0">
+              <a:solidFill>
+                <a:srgbClr val="002060"/>
+              </a:solidFill>
+              <a:latin typeface="Courier" pitchFamily="2" charset="0"/>
+            </a:endParaRPr>
+          </a:p>
+          <a:p>
+            <a:r>
+              <a:rPr lang="en-US" sz="2600" dirty="0">
+                <a:solidFill>
+                  <a:srgbClr val="002060"/>
+                </a:solidFill>
+                <a:latin typeface="Courier" pitchFamily="2" charset="0"/>
+              </a:rPr>
+              <a:t>If ‘Burrow’ is typed and Enter hit,</a:t>
+            </a:r>
+          </a:p>
+          <a:p>
+            <a:r>
+              <a:rPr lang="en-US" sz="2600" dirty="0">
+                <a:solidFill>
+                  <a:srgbClr val="002060"/>
+                </a:solidFill>
+                <a:latin typeface="Courier" pitchFamily="2" charset="0"/>
+              </a:rPr>
+              <a:t>‘Burrow should print to </a:t>
+            </a:r>
+            <a:r>
+              <a:rPr lang="en-US" sz="2600" dirty="0" err="1">
+                <a:solidFill>
+                  <a:srgbClr val="002060"/>
+                </a:solidFill>
+                <a:latin typeface="Courier" pitchFamily="2" charset="0"/>
+              </a:rPr>
+              <a:t>screen.vcvcc</a:t>
+            </a:r>
+            <a:r>
+              <a:rPr lang="en-US" sz="2600" dirty="0">
+                <a:solidFill>
+                  <a:srgbClr val="002060"/>
+                </a:solidFill>
+                <a:latin typeface="Courier" pitchFamily="2" charset="0"/>
+              </a:rPr>
+              <a:t> </a:t>
+            </a:r>
+            <a:r>
+              <a:rPr lang="en-US" sz="2600" dirty="0" err="1">
+                <a:solidFill>
+                  <a:srgbClr val="002060"/>
+                </a:solidFill>
+                <a:latin typeface="Courier" pitchFamily="2" charset="0"/>
+              </a:rPr>
+              <a:t>vvcxd</a:t>
+            </a:r>
+            <a:r>
+              <a:rPr lang="en-US" sz="2600" dirty="0">
+                <a:solidFill>
+                  <a:srgbClr val="002060"/>
+                </a:solidFill>
+                <a:latin typeface="Courier" pitchFamily="2" charset="0"/>
+              </a:rPr>
+              <a:t>        </a:t>
+            </a:r>
+          </a:p>
+        </p:txBody>
+      </p:sp>
+      <p:sp>
+        <p:nvSpPr>
+          <p:cNvPr id="6" name="Rectangle 5">
+            <a:extLst>
+              <a:ext uri="{FF2B5EF4-FFF2-40B4-BE49-F238E27FC236}">
+                <a16:creationId xmlns:a16="http://schemas.microsoft.com/office/drawing/2014/main" id="{D59BBFBD-9BEB-1243-BC42-5A02EA92B35E}"/>
+              </a:ext>
+            </a:extLst>
+          </p:cNvPr>
+          <p:cNvSpPr/>
+          <p:nvPr/>
+        </p:nvSpPr>
+        <p:spPr>
+          <a:xfrm>
+            <a:off x="1332303" y="364500"/>
+            <a:ext cx="9910085" cy="584775"/>
+          </a:xfrm>
+          <a:prstGeom prst="rect">
+            <a:avLst/>
+          </a:prstGeom>
+        </p:spPr>
+        <p:txBody>
+          <a:bodyPr wrap="none">
+            <a:spAutoFit/>
+          </a:bodyPr>
+          <a:lstStyle/>
+          <a:p>
+            <a:r>
+              <a:rPr lang="en-US" sz="3200" b="1" dirty="0">
+                <a:solidFill>
+                  <a:srgbClr val="333333"/>
+                </a:solidFill>
+                <a:latin typeface="HELVETICA LIGHT" panose="020B0403020202020204" pitchFamily="34" charset="0"/>
+              </a:rPr>
+              <a:t>Pulling raw input from the command line </a:t>
+            </a:r>
+            <a:r>
+              <a:rPr lang="en-US" sz="3200" b="1" dirty="0">
+                <a:solidFill>
+                  <a:srgbClr val="333333"/>
+                </a:solidFill>
+                <a:latin typeface="Courier" pitchFamily="2" charset="0"/>
+              </a:rPr>
+              <a:t>(input())</a:t>
+            </a:r>
+            <a:endParaRPr lang="en-US" sz="3200" b="1" dirty="0">
+              <a:solidFill>
+                <a:srgbClr val="333333"/>
+              </a:solidFill>
+              <a:effectLst/>
+              <a:latin typeface="Courier" pitchFamily="2" charset="0"/>
+            </a:endParaRPr>
+          </a:p>
+        </p:txBody>
+      </p:sp>
+      <p:sp>
+        <p:nvSpPr>
+          <p:cNvPr id="7" name="TextBox 6">
+            <a:extLst>
+              <a:ext uri="{FF2B5EF4-FFF2-40B4-BE49-F238E27FC236}">
+                <a16:creationId xmlns:a16="http://schemas.microsoft.com/office/drawing/2014/main" id="{A83C82C0-485D-454E-AE1B-2D525EBB7573}"/>
+              </a:ext>
+            </a:extLst>
+          </p:cNvPr>
+          <p:cNvSpPr txBox="1"/>
+          <p:nvPr/>
+        </p:nvSpPr>
+        <p:spPr>
+          <a:xfrm>
+            <a:off x="1332303" y="1302050"/>
+            <a:ext cx="1670650" cy="492443"/>
+          </a:xfrm>
+          <a:prstGeom prst="rect">
+            <a:avLst/>
+          </a:prstGeom>
+          <a:noFill/>
+        </p:spPr>
+        <p:txBody>
+          <a:bodyPr wrap="none" rtlCol="0">
+            <a:spAutoFit/>
+          </a:bodyPr>
+          <a:lstStyle/>
+          <a:p>
+            <a:r>
+              <a:rPr lang="en-US" sz="2600" dirty="0">
+                <a:latin typeface="Helvetica Light" panose="020B0403020202020204" pitchFamily="34" charset="0"/>
+              </a:rPr>
+              <a:t>In Python:</a:t>
+            </a:r>
+          </a:p>
+        </p:txBody>
+      </p:sp>
+      <p:sp>
+        <p:nvSpPr>
+          <p:cNvPr id="8" name="TextBox 7">
+            <a:extLst>
+              <a:ext uri="{FF2B5EF4-FFF2-40B4-BE49-F238E27FC236}">
+                <a16:creationId xmlns:a16="http://schemas.microsoft.com/office/drawing/2014/main" id="{9C8DC85D-EDA8-5C43-BF1B-DCEEE2CD8A89}"/>
+              </a:ext>
+            </a:extLst>
+          </p:cNvPr>
+          <p:cNvSpPr txBox="1"/>
+          <p:nvPr/>
+        </p:nvSpPr>
+        <p:spPr>
+          <a:xfrm>
+            <a:off x="1332303" y="3648197"/>
+            <a:ext cx="3967753" cy="492443"/>
+          </a:xfrm>
+          <a:prstGeom prst="rect">
+            <a:avLst/>
+          </a:prstGeom>
+          <a:noFill/>
+        </p:spPr>
+        <p:txBody>
+          <a:bodyPr wrap="none" rtlCol="0">
+            <a:spAutoFit/>
+          </a:bodyPr>
+          <a:lstStyle/>
+          <a:p>
+            <a:r>
+              <a:rPr lang="en-US" sz="2600" dirty="0">
+                <a:solidFill>
+                  <a:srgbClr val="002060"/>
+                </a:solidFill>
+                <a:latin typeface="Helvetica Light" panose="020B0403020202020204" pitchFamily="34" charset="0"/>
+              </a:rPr>
+              <a:t>At command line prompt:</a:t>
+            </a:r>
+          </a:p>
+        </p:txBody>
+      </p:sp>
+    </p:spTree>
+    <p:extLst>
+      <p:ext uri="{BB962C8B-B14F-4D97-AF65-F5344CB8AC3E}">
+        <p14:creationId xmlns:p14="http://schemas.microsoft.com/office/powerpoint/2010/main" val="20693727"/>
+      </p:ext>
+    </p:extLst>
+  </p:cSld>
+  <p:clrMapOvr>
+    <a:masterClrMapping/>
+  </p:clrMapOvr>
+</p:sld>
+</file>
+
+<file path=ppt/slides/slide12.xml><?xml version="1.0" encoding="utf-8"?>
+<p:sld xmlns:a="http://schemas.openxmlformats.org/drawingml/2006/main" xmlns:r="http://schemas.openxmlformats.org/officeDocument/2006/relationships" xmlns:p="http://schemas.openxmlformats.org/presentationml/2006/main">
+  <p:cSld>
+    <p:spTree>
+      <p:nvGrpSpPr>
+        <p:cNvPr id="1" name=""/>
+        <p:cNvGrpSpPr/>
+        <p:nvPr/>
+      </p:nvGrpSpPr>
+      <p:grpSpPr>
+        <a:xfrm>
+          <a:off x="0" y="0"/>
+          <a:ext cx="0" cy="0"/>
+          <a:chOff x="0" y="0"/>
+          <a:chExt cx="0" cy="0"/>
+        </a:xfrm>
+      </p:grpSpPr>
+      <p:sp>
+        <p:nvSpPr>
           <p:cNvPr id="2" name="TextBox 1">
             <a:extLst>
               <a:ext uri="{FF2B5EF4-FFF2-40B4-BE49-F238E27FC236}">
@@ -5069,6 +5823,52 @@
           </a:p>
         </p:txBody>
       </p:sp>
+      <p:sp>
+        <p:nvSpPr>
+          <p:cNvPr id="3" name="Rectangle 2">
+            <a:extLst>
+              <a:ext uri="{FF2B5EF4-FFF2-40B4-BE49-F238E27FC236}">
+                <a16:creationId xmlns:a16="http://schemas.microsoft.com/office/drawing/2014/main" id="{4FA15FE9-5958-064F-BA64-9E30A36379F4}"/>
+              </a:ext>
+            </a:extLst>
+          </p:cNvPr>
+          <p:cNvSpPr/>
+          <p:nvPr/>
+        </p:nvSpPr>
+        <p:spPr>
+          <a:xfrm>
+            <a:off x="5166899" y="3244334"/>
+            <a:ext cx="1858201" cy="369332"/>
+          </a:xfrm>
+          <a:prstGeom prst="rect">
+            <a:avLst/>
+          </a:prstGeom>
+        </p:spPr>
+        <p:txBody>
+          <a:bodyPr wrap="none">
+            <a:spAutoFit/>
+          </a:bodyPr>
+          <a:lstStyle/>
+          <a:p>
+            <a:r>
+              <a:rPr lang="en-US" dirty="0">
+                <a:solidFill>
+                  <a:srgbClr val="121212"/>
+                </a:solidFill>
+                <a:latin typeface="Menlo" panose="020B0609030804020204" pitchFamily="49" charset="0"/>
+              </a:rPr>
+              <a:t>week6a.pptx*</a:t>
+            </a:r>
+            <a:endParaRPr lang="en-US" dirty="0">
+              <a:solidFill>
+                <a:srgbClr val="121212"/>
+              </a:solidFill>
+              <a:effectLst/>
+              <a:latin typeface="Menlo" panose="020B0609030804020204" pitchFamily="49" charset="0"/>
+            </a:endParaRPr>
+          </a:p>
+        </p:txBody>
+      </p:sp>
     </p:spTree>
     <p:extLst>
       <p:ext uri="{BB962C8B-B14F-4D97-AF65-F5344CB8AC3E}">
@@ -5101,155 +5901,20 @@
       </p:grpSpPr>
       <p:sp>
         <p:nvSpPr>
-          <p:cNvPr id="2" name="Rectangle 1">
-            <a:extLst>
-              <a:ext uri="{FF2B5EF4-FFF2-40B4-BE49-F238E27FC236}">
-                <a16:creationId xmlns:a16="http://schemas.microsoft.com/office/drawing/2014/main" id="{64BEB290-A9D9-A94B-8702-E860D8F938B4}"/>
-              </a:ext>
-            </a:extLst>
-          </p:cNvPr>
-          <p:cNvSpPr/>
+          <p:cNvPr id="2" name="TextBox 1">
+            <a:extLst>
+              <a:ext uri="{FF2B5EF4-FFF2-40B4-BE49-F238E27FC236}">
+                <a16:creationId xmlns:a16="http://schemas.microsoft.com/office/drawing/2014/main" id="{6CC28B14-71D3-284A-B530-F620DCCC2513}"/>
+              </a:ext>
+            </a:extLst>
+          </p:cNvPr>
+          <p:cNvSpPr txBox="1"/>
           <p:nvPr/>
         </p:nvSpPr>
         <p:spPr>
           <a:xfrm>
-            <a:off x="1070112" y="2790054"/>
-            <a:ext cx="10111410" cy="2785378"/>
-          </a:xfrm>
-          <a:prstGeom prst="rect">
-            <a:avLst/>
-          </a:prstGeom>
-        </p:spPr>
-        <p:txBody>
-          <a:bodyPr wrap="square">
-            <a:spAutoFit/>
-          </a:bodyPr>
-          <a:lstStyle/>
-          <a:p>
-            <a:r>
-              <a:rPr lang="en-US" sz="2500" dirty="0">
-                <a:latin typeface="Courier New" panose="02070309020205020404" pitchFamily="49" charset="0"/>
-                <a:cs typeface="Courier New" panose="02070309020205020404" pitchFamily="49" charset="0"/>
-              </a:rPr>
-              <a:t>Team = "</a:t>
-            </a:r>
-            <a:r>
-              <a:rPr lang="en-US" sz="2500" dirty="0" err="1">
-                <a:latin typeface="Courier New" panose="02070309020205020404" pitchFamily="49" charset="0"/>
-                <a:cs typeface="Courier New" panose="02070309020205020404" pitchFamily="49" charset="0"/>
-              </a:rPr>
-              <a:t>lakers</a:t>
-            </a:r>
-            <a:r>
-              <a:rPr lang="en-US" sz="2500" dirty="0">
-                <a:latin typeface="Courier New" panose="02070309020205020404" pitchFamily="49" charset="0"/>
-                <a:cs typeface="Courier New" panose="02070309020205020404" pitchFamily="49" charset="0"/>
-              </a:rPr>
-              <a:t>"</a:t>
-            </a:r>
-          </a:p>
-          <a:p>
-            <a:r>
-              <a:rPr lang="en-US" sz="2500" dirty="0" err="1">
-                <a:latin typeface="Courier New" panose="02070309020205020404" pitchFamily="49" charset="0"/>
-                <a:cs typeface="Courier New" panose="02070309020205020404" pitchFamily="49" charset="0"/>
-              </a:rPr>
-              <a:t>Seq_one</a:t>
-            </a:r>
-            <a:r>
-              <a:rPr lang="en-US" sz="2500" dirty="0">
-                <a:latin typeface="Courier New" panose="02070309020205020404" pitchFamily="49" charset="0"/>
-                <a:cs typeface="Courier New" panose="02070309020205020404" pitchFamily="49" charset="0"/>
-              </a:rPr>
-              <a:t> = "</a:t>
-            </a:r>
-            <a:r>
-              <a:rPr lang="en-US" sz="2500" dirty="0" err="1">
-                <a:latin typeface="Courier New" panose="02070309020205020404" pitchFamily="49" charset="0"/>
-                <a:cs typeface="Courier New" panose="02070309020205020404" pitchFamily="49" charset="0"/>
-              </a:rPr>
-              <a:t>actgaaa</a:t>
-            </a:r>
-            <a:r>
-              <a:rPr lang="en-US" sz="2500" dirty="0">
-                <a:latin typeface="Courier New" panose="02070309020205020404" pitchFamily="49" charset="0"/>
-                <a:cs typeface="Courier New" panose="02070309020205020404" pitchFamily="49" charset="0"/>
-              </a:rPr>
-              <a:t>"</a:t>
-            </a:r>
-          </a:p>
-          <a:p>
-            <a:r>
-              <a:rPr lang="en-US" sz="2500" dirty="0">
-                <a:latin typeface="Courier New" panose="02070309020205020404" pitchFamily="49" charset="0"/>
-                <a:cs typeface="Courier New" panose="02070309020205020404" pitchFamily="49" charset="0"/>
-              </a:rPr>
-              <a:t>Seq3 = '</a:t>
-            </a:r>
-            <a:r>
-              <a:rPr lang="en-US" sz="2500" dirty="0" err="1">
-                <a:latin typeface="Courier New" panose="02070309020205020404" pitchFamily="49" charset="0"/>
-                <a:cs typeface="Courier New" panose="02070309020205020404" pitchFamily="49" charset="0"/>
-              </a:rPr>
-              <a:t>atcGGGC</a:t>
-            </a:r>
-            <a:r>
-              <a:rPr lang="en-US" sz="2500" dirty="0">
-                <a:latin typeface="Courier New" panose="02070309020205020404" pitchFamily="49" charset="0"/>
-                <a:cs typeface="Courier New" panose="02070309020205020404" pitchFamily="49" charset="0"/>
-              </a:rPr>
-              <a:t>' # single or double quotes</a:t>
-            </a:r>
-          </a:p>
-          <a:p>
-            <a:r>
-              <a:rPr lang="en-US" sz="2500" dirty="0">
-                <a:latin typeface="Courier New" panose="02070309020205020404" pitchFamily="49" charset="0"/>
-                <a:cs typeface="Courier New" panose="02070309020205020404" pitchFamily="49" charset="0"/>
-              </a:rPr>
-              <a:t>Val = '11.2' 	#something that looks like a float</a:t>
-            </a:r>
-          </a:p>
-          <a:p>
-            <a:r>
-              <a:rPr lang="en-US" sz="2500" dirty="0">
-                <a:latin typeface="Courier New" panose="02070309020205020404" pitchFamily="49" charset="0"/>
-                <a:cs typeface="Courier New" panose="02070309020205020404" pitchFamily="49" charset="0"/>
-              </a:rPr>
-              <a:t>Sentence = "Joe Burrow is the real deal" </a:t>
-            </a:r>
-          </a:p>
-          <a:p>
-            <a:endParaRPr lang="en-US" sz="2500" dirty="0">
-              <a:latin typeface="Courier New" panose="02070309020205020404" pitchFamily="49" charset="0"/>
-              <a:cs typeface="Courier New" panose="02070309020205020404" pitchFamily="49" charset="0"/>
-            </a:endParaRPr>
-          </a:p>
-          <a:p>
-            <a:endParaRPr lang="en-US" sz="2500" dirty="0">
-              <a:effectLst/>
-              <a:latin typeface="Courier New" panose="02070309020205020404" pitchFamily="49" charset="0"/>
-              <a:cs typeface="Courier New" panose="02070309020205020404" pitchFamily="49" charset="0"/>
-            </a:endParaRPr>
-          </a:p>
-        </p:txBody>
-      </p:sp>
-      <p:sp>
-        <p:nvSpPr>
-          <p:cNvPr id="3" name="TextBox 2">
-            <a:extLst>
-              <a:ext uri="{FF2B5EF4-FFF2-40B4-BE49-F238E27FC236}">
-                <a16:creationId xmlns:a16="http://schemas.microsoft.com/office/drawing/2014/main" id="{7CADF43A-5881-B345-A303-7A2840F28C4F}"/>
-              </a:ext>
-            </a:extLst>
-          </p:cNvPr>
-          <p:cNvSpPr txBox="1"/>
-          <p:nvPr/>
-        </p:nvSpPr>
-        <p:spPr>
-          <a:xfrm>
-            <a:off x="4545735" y="367748"/>
-            <a:ext cx="3100529" cy="600164"/>
+            <a:off x="4887977" y="237986"/>
+            <a:ext cx="2416046" cy="584775"/>
           </a:xfrm>
           <a:prstGeom prst="rect">
             <a:avLst/>
@@ -5263,20 +5928,26 @@
           <a:lstStyle/>
           <a:p>
             <a:r>
-              <a:rPr lang="en-US" sz="3300" b="1" dirty="0">
-                <a:latin typeface="Helvetica Light" panose="020B0403020202020204" pitchFamily="34" charset="0"/>
-              </a:rPr>
-              <a:t>Scalars: strings</a:t>
-            </a:r>
-          </a:p>
-        </p:txBody>
-      </p:sp>
-      <p:sp>
-        <p:nvSpPr>
-          <p:cNvPr id="4" name="TextBox 3">
-            <a:extLst>
-              <a:ext uri="{FF2B5EF4-FFF2-40B4-BE49-F238E27FC236}">
-                <a16:creationId xmlns:a16="http://schemas.microsoft.com/office/drawing/2014/main" id="{8B82A06A-2B68-2340-8CE4-3FB2C6417880}"/>
+              <a:rPr lang="en-US" sz="3200" dirty="0" err="1">
+                <a:latin typeface="Helvetica Light" panose="020B0403020202020204" pitchFamily="34" charset="0"/>
+              </a:rPr>
+              <a:t>Ipy</a:t>
+            </a:r>
+            <a:r>
+              <a:rPr lang="en-US" sz="3200" dirty="0">
+                <a:latin typeface="Helvetica Light" panose="020B0403020202020204" pitchFamily="34" charset="0"/>
+              </a:rPr>
+              <a:t> console </a:t>
+            </a:r>
+          </a:p>
+        </p:txBody>
+      </p:sp>
+      <p:sp>
+        <p:nvSpPr>
+          <p:cNvPr id="5" name="TextBox 4">
+            <a:extLst>
+              <a:ext uri="{FF2B5EF4-FFF2-40B4-BE49-F238E27FC236}">
+                <a16:creationId xmlns:a16="http://schemas.microsoft.com/office/drawing/2014/main" id="{2BA3819C-7CA5-BF45-9CD1-3A9F60B3CBBF}"/>
               </a:ext>
             </a:extLst>
           </p:cNvPr>
@@ -5285,8 +5956,8 @@
         </p:nvSpPr>
         <p:spPr>
           <a:xfrm>
-            <a:off x="1070112" y="1674347"/>
-            <a:ext cx="10637849" cy="523220"/>
+            <a:off x="9422296" y="1576781"/>
+            <a:ext cx="2769704" cy="923330"/>
           </a:xfrm>
           <a:prstGeom prst="rect">
             <a:avLst/>
@@ -5294,36 +5965,166 @@
           <a:noFill/>
         </p:spPr>
         <p:txBody>
-          <a:bodyPr wrap="none" rtlCol="0">
+          <a:bodyPr wrap="square" rtlCol="0">
             <a:spAutoFit/>
           </a:bodyPr>
           <a:lstStyle/>
           <a:p>
             <a:r>
-              <a:rPr lang="en-US" sz="2800" dirty="0">
-                <a:latin typeface="Helvetica Light" panose="020B0403020202020204" pitchFamily="34" charset="0"/>
-              </a:rPr>
-              <a:t>Assigning </a:t>
-            </a:r>
-            <a:r>
-              <a:rPr lang="en-US" sz="2800" b="1" dirty="0">
-                <a:latin typeface="Helvetica Light" panose="020B0403020202020204" pitchFamily="34" charset="0"/>
-              </a:rPr>
-              <a:t>strings</a:t>
-            </a:r>
-            <a:r>
-              <a:rPr lang="en-US" sz="2800" dirty="0">
-                <a:latin typeface="Helvetica Light" panose="020B0403020202020204" pitchFamily="34" charset="0"/>
-              </a:rPr>
-              <a:t> to variables (requires single or double quotes):</a:t>
-            </a:r>
+              <a:rPr lang="en-US" dirty="0">
+                <a:latin typeface="Helvetica Light" panose="020B0403020202020204" pitchFamily="34" charset="0"/>
+              </a:rPr>
+              <a:t>Launch </a:t>
+            </a:r>
+            <a:r>
+              <a:rPr lang="en-US" b="1" dirty="0" err="1">
+                <a:latin typeface="Helvetica Light" panose="020B0403020202020204" pitchFamily="34" charset="0"/>
+              </a:rPr>
+              <a:t>Jupyter</a:t>
+            </a:r>
+            <a:r>
+              <a:rPr lang="en-US" b="1" dirty="0">
+                <a:latin typeface="Helvetica Light" panose="020B0403020202020204" pitchFamily="34" charset="0"/>
+              </a:rPr>
+              <a:t> </a:t>
+            </a:r>
+            <a:r>
+              <a:rPr lang="en-US" b="1" dirty="0" err="1">
+                <a:latin typeface="Helvetica Light" panose="020B0403020202020204" pitchFamily="34" charset="0"/>
+              </a:rPr>
+              <a:t>Qtconsole</a:t>
+            </a:r>
+            <a:r>
+              <a:rPr lang="en-US" b="1" dirty="0">
+                <a:latin typeface="Helvetica Light" panose="020B0403020202020204" pitchFamily="34" charset="0"/>
+              </a:rPr>
+              <a:t> </a:t>
+            </a:r>
+            <a:r>
+              <a:rPr lang="en-US" dirty="0">
+                <a:latin typeface="Helvetica Light" panose="020B0403020202020204" pitchFamily="34" charset="0"/>
+              </a:rPr>
+              <a:t>from Anaconda navigator</a:t>
+            </a:r>
+            <a:endParaRPr lang="en-US" dirty="0"/>
+          </a:p>
+        </p:txBody>
+      </p:sp>
+      <p:sp>
+        <p:nvSpPr>
+          <p:cNvPr id="6" name="TextBox 5">
+            <a:extLst>
+              <a:ext uri="{FF2B5EF4-FFF2-40B4-BE49-F238E27FC236}">
+                <a16:creationId xmlns:a16="http://schemas.microsoft.com/office/drawing/2014/main" id="{77406E1E-FB6B-4440-A6B8-A722C51816BC}"/>
+              </a:ext>
+            </a:extLst>
+          </p:cNvPr>
+          <p:cNvSpPr txBox="1"/>
+          <p:nvPr/>
+        </p:nvSpPr>
+        <p:spPr>
+          <a:xfrm>
+            <a:off x="9288347" y="3229556"/>
+            <a:ext cx="2454965" cy="2492990"/>
+          </a:xfrm>
+          <a:prstGeom prst="rect">
+            <a:avLst/>
+          </a:prstGeom>
+          <a:noFill/>
+        </p:spPr>
+        <p:txBody>
+          <a:bodyPr wrap="square" rtlCol="0">
+            <a:spAutoFit/>
+          </a:bodyPr>
+          <a:lstStyle/>
+          <a:p>
+            <a:r>
+              <a:rPr lang="en-US" sz="2600" dirty="0">
+                <a:latin typeface="Helvetica Light" panose="020B0403020202020204" pitchFamily="34" charset="0"/>
+              </a:rPr>
+              <a:t>Amazingly useful for testing code while you are building your scripts</a:t>
+            </a:r>
+            <a:endParaRPr lang="en-US" sz="2600" dirty="0">
+              <a:latin typeface="Courier New" panose="02070309020205020404" pitchFamily="49" charset="0"/>
+              <a:cs typeface="Courier New" panose="02070309020205020404" pitchFamily="49" charset="0"/>
+            </a:endParaRPr>
+          </a:p>
+        </p:txBody>
+      </p:sp>
+      <p:pic>
+        <p:nvPicPr>
+          <p:cNvPr id="8" name="Picture 7" descr="Text&#10;&#10;Description automatically generated with low confidence">
+            <a:extLst>
+              <a:ext uri="{FF2B5EF4-FFF2-40B4-BE49-F238E27FC236}">
+                <a16:creationId xmlns:a16="http://schemas.microsoft.com/office/drawing/2014/main" id="{74D1C905-9C60-E144-8711-9CB9C8FFF47B}"/>
+              </a:ext>
+            </a:extLst>
+          </p:cNvPr>
+          <p:cNvPicPr>
+            <a:picLocks noChangeAspect="1"/>
+          </p:cNvPicPr>
+          <p:nvPr/>
+        </p:nvPicPr>
+        <p:blipFill rotWithShape="1">
+          <a:blip r:embed="rId2"/>
+          <a:srcRect r="30974"/>
+          <a:stretch/>
+        </p:blipFill>
+        <p:spPr>
+          <a:xfrm>
+            <a:off x="775648" y="1051034"/>
+            <a:ext cx="4426974" cy="5436223"/>
+          </a:xfrm>
+          <a:prstGeom prst="rect">
+            <a:avLst/>
+          </a:prstGeom>
+        </p:spPr>
+      </p:pic>
+      <p:sp>
+        <p:nvSpPr>
+          <p:cNvPr id="9" name="TextBox 8">
+            <a:extLst>
+              <a:ext uri="{FF2B5EF4-FFF2-40B4-BE49-F238E27FC236}">
+                <a16:creationId xmlns:a16="http://schemas.microsoft.com/office/drawing/2014/main" id="{0AEB4600-4550-CB41-A5C9-110785544103}"/>
+              </a:ext>
+            </a:extLst>
+          </p:cNvPr>
+          <p:cNvSpPr txBox="1"/>
+          <p:nvPr/>
+        </p:nvSpPr>
+        <p:spPr>
+          <a:xfrm>
+            <a:off x="5399633" y="3229556"/>
+            <a:ext cx="3179493" cy="2492990"/>
+          </a:xfrm>
+          <a:prstGeom prst="rect">
+            <a:avLst/>
+          </a:prstGeom>
+          <a:noFill/>
+        </p:spPr>
+        <p:txBody>
+          <a:bodyPr wrap="square" rtlCol="0">
+            <a:spAutoFit/>
+          </a:bodyPr>
+          <a:lstStyle/>
+          <a:p>
+            <a:r>
+              <a:rPr lang="en-US" sz="2600" dirty="0">
+                <a:latin typeface="Helvetica Light" panose="020B0403020202020204" pitchFamily="34" charset="0"/>
+              </a:rPr>
+              <a:t>Functions dually as a terminal window and python interactive prompt, tab complete functionality</a:t>
+            </a:r>
+            <a:endParaRPr lang="en-US" sz="2600" dirty="0">
+              <a:latin typeface="Courier New" panose="02070309020205020404" pitchFamily="49" charset="0"/>
+              <a:cs typeface="Courier New" panose="02070309020205020404" pitchFamily="49" charset="0"/>
+            </a:endParaRPr>
           </a:p>
         </p:txBody>
       </p:sp>
     </p:spTree>
     <p:extLst>
       <p:ext uri="{BB962C8B-B14F-4D97-AF65-F5344CB8AC3E}">
-        <p14:creationId xmlns:p14="http://schemas.microsoft.com/office/powerpoint/2010/main" val="3597356262"/>
+        <p14:creationId xmlns:p14="http://schemas.microsoft.com/office/powerpoint/2010/main" val="3796788371"/>
       </p:ext>
     </p:extLst>
   </p:cSld>
@@ -5364,6 +6165,257 @@
         </p:nvSpPr>
         <p:spPr>
           <a:xfrm>
+            <a:off x="1070112" y="2790054"/>
+            <a:ext cx="10111410" cy="2785378"/>
+          </a:xfrm>
+          <a:prstGeom prst="rect">
+            <a:avLst/>
+          </a:prstGeom>
+        </p:spPr>
+        <p:txBody>
+          <a:bodyPr wrap="square">
+            <a:spAutoFit/>
+          </a:bodyPr>
+          <a:lstStyle/>
+          <a:p>
+            <a:r>
+              <a:rPr lang="en-US" sz="2500" dirty="0">
+                <a:latin typeface="Courier New" panose="02070309020205020404" pitchFamily="49" charset="0"/>
+                <a:cs typeface="Courier New" panose="02070309020205020404" pitchFamily="49" charset="0"/>
+              </a:rPr>
+              <a:t>Team = "</a:t>
+            </a:r>
+            <a:r>
+              <a:rPr lang="en-US" sz="2500" dirty="0" err="1">
+                <a:latin typeface="Courier New" panose="02070309020205020404" pitchFamily="49" charset="0"/>
+                <a:cs typeface="Courier New" panose="02070309020205020404" pitchFamily="49" charset="0"/>
+              </a:rPr>
+              <a:t>lakers</a:t>
+            </a:r>
+            <a:r>
+              <a:rPr lang="en-US" sz="2500" dirty="0">
+                <a:latin typeface="Courier New" panose="02070309020205020404" pitchFamily="49" charset="0"/>
+                <a:cs typeface="Courier New" panose="02070309020205020404" pitchFamily="49" charset="0"/>
+              </a:rPr>
+              <a:t>"</a:t>
+            </a:r>
+          </a:p>
+          <a:p>
+            <a:r>
+              <a:rPr lang="en-US" sz="2500" dirty="0" err="1">
+                <a:latin typeface="Courier New" panose="02070309020205020404" pitchFamily="49" charset="0"/>
+                <a:cs typeface="Courier New" panose="02070309020205020404" pitchFamily="49" charset="0"/>
+              </a:rPr>
+              <a:t>Seq_one</a:t>
+            </a:r>
+            <a:r>
+              <a:rPr lang="en-US" sz="2500" dirty="0">
+                <a:latin typeface="Courier New" panose="02070309020205020404" pitchFamily="49" charset="0"/>
+                <a:cs typeface="Courier New" panose="02070309020205020404" pitchFamily="49" charset="0"/>
+              </a:rPr>
+              <a:t> = "</a:t>
+            </a:r>
+            <a:r>
+              <a:rPr lang="en-US" sz="2500" dirty="0" err="1">
+                <a:latin typeface="Courier New" panose="02070309020205020404" pitchFamily="49" charset="0"/>
+                <a:cs typeface="Courier New" panose="02070309020205020404" pitchFamily="49" charset="0"/>
+              </a:rPr>
+              <a:t>actgaaa</a:t>
+            </a:r>
+            <a:r>
+              <a:rPr lang="en-US" sz="2500" dirty="0">
+                <a:latin typeface="Courier New" panose="02070309020205020404" pitchFamily="49" charset="0"/>
+                <a:cs typeface="Courier New" panose="02070309020205020404" pitchFamily="49" charset="0"/>
+              </a:rPr>
+              <a:t>"</a:t>
+            </a:r>
+          </a:p>
+          <a:p>
+            <a:r>
+              <a:rPr lang="en-US" sz="2500" dirty="0">
+                <a:latin typeface="Courier New" panose="02070309020205020404" pitchFamily="49" charset="0"/>
+                <a:cs typeface="Courier New" panose="02070309020205020404" pitchFamily="49" charset="0"/>
+              </a:rPr>
+              <a:t>Seq3 = '</a:t>
+            </a:r>
+            <a:r>
+              <a:rPr lang="en-US" sz="2500" dirty="0" err="1">
+                <a:latin typeface="Courier New" panose="02070309020205020404" pitchFamily="49" charset="0"/>
+                <a:cs typeface="Courier New" panose="02070309020205020404" pitchFamily="49" charset="0"/>
+              </a:rPr>
+              <a:t>atcGGGC</a:t>
+            </a:r>
+            <a:r>
+              <a:rPr lang="en-US" sz="2500" dirty="0">
+                <a:latin typeface="Courier New" panose="02070309020205020404" pitchFamily="49" charset="0"/>
+                <a:cs typeface="Courier New" panose="02070309020205020404" pitchFamily="49" charset="0"/>
+              </a:rPr>
+              <a:t>' # single or double quotes</a:t>
+            </a:r>
+          </a:p>
+          <a:p>
+            <a:r>
+              <a:rPr lang="en-US" sz="2500" dirty="0">
+                <a:latin typeface="Courier New" panose="02070309020205020404" pitchFamily="49" charset="0"/>
+                <a:cs typeface="Courier New" panose="02070309020205020404" pitchFamily="49" charset="0"/>
+              </a:rPr>
+              <a:t>Val = '11.2' 	#something that looks like a float</a:t>
+            </a:r>
+          </a:p>
+          <a:p>
+            <a:r>
+              <a:rPr lang="en-US" sz="2500" dirty="0">
+                <a:latin typeface="Courier New" panose="02070309020205020404" pitchFamily="49" charset="0"/>
+                <a:cs typeface="Courier New" panose="02070309020205020404" pitchFamily="49" charset="0"/>
+              </a:rPr>
+              <a:t>Sentence = "Joe Burrow is the real deal" </a:t>
+            </a:r>
+          </a:p>
+          <a:p>
+            <a:endParaRPr lang="en-US" sz="2500" dirty="0">
+              <a:latin typeface="Courier New" panose="02070309020205020404" pitchFamily="49" charset="0"/>
+              <a:cs typeface="Courier New" panose="02070309020205020404" pitchFamily="49" charset="0"/>
+            </a:endParaRPr>
+          </a:p>
+          <a:p>
+            <a:endParaRPr lang="en-US" sz="2500" dirty="0">
+              <a:effectLst/>
+              <a:latin typeface="Courier New" panose="02070309020205020404" pitchFamily="49" charset="0"/>
+              <a:cs typeface="Courier New" panose="02070309020205020404" pitchFamily="49" charset="0"/>
+            </a:endParaRPr>
+          </a:p>
+        </p:txBody>
+      </p:sp>
+      <p:sp>
+        <p:nvSpPr>
+          <p:cNvPr id="3" name="TextBox 2">
+            <a:extLst>
+              <a:ext uri="{FF2B5EF4-FFF2-40B4-BE49-F238E27FC236}">
+                <a16:creationId xmlns:a16="http://schemas.microsoft.com/office/drawing/2014/main" id="{7CADF43A-5881-B345-A303-7A2840F28C4F}"/>
+              </a:ext>
+            </a:extLst>
+          </p:cNvPr>
+          <p:cNvSpPr txBox="1"/>
+          <p:nvPr/>
+        </p:nvSpPr>
+        <p:spPr>
+          <a:xfrm>
+            <a:off x="4545735" y="367748"/>
+            <a:ext cx="3100529" cy="600164"/>
+          </a:xfrm>
+          <a:prstGeom prst="rect">
+            <a:avLst/>
+          </a:prstGeom>
+          <a:noFill/>
+        </p:spPr>
+        <p:txBody>
+          <a:bodyPr wrap="none" rtlCol="0">
+            <a:spAutoFit/>
+          </a:bodyPr>
+          <a:lstStyle/>
+          <a:p>
+            <a:r>
+              <a:rPr lang="en-US" sz="3300" b="1" dirty="0">
+                <a:latin typeface="Helvetica Light" panose="020B0403020202020204" pitchFamily="34" charset="0"/>
+              </a:rPr>
+              <a:t>Scalars: strings</a:t>
+            </a:r>
+          </a:p>
+        </p:txBody>
+      </p:sp>
+      <p:sp>
+        <p:nvSpPr>
+          <p:cNvPr id="4" name="TextBox 3">
+            <a:extLst>
+              <a:ext uri="{FF2B5EF4-FFF2-40B4-BE49-F238E27FC236}">
+                <a16:creationId xmlns:a16="http://schemas.microsoft.com/office/drawing/2014/main" id="{8B82A06A-2B68-2340-8CE4-3FB2C6417880}"/>
+              </a:ext>
+            </a:extLst>
+          </p:cNvPr>
+          <p:cNvSpPr txBox="1"/>
+          <p:nvPr/>
+        </p:nvSpPr>
+        <p:spPr>
+          <a:xfrm>
+            <a:off x="1070112" y="1674347"/>
+            <a:ext cx="10637849" cy="523220"/>
+          </a:xfrm>
+          <a:prstGeom prst="rect">
+            <a:avLst/>
+          </a:prstGeom>
+          <a:noFill/>
+        </p:spPr>
+        <p:txBody>
+          <a:bodyPr wrap="none" rtlCol="0">
+            <a:spAutoFit/>
+          </a:bodyPr>
+          <a:lstStyle/>
+          <a:p>
+            <a:r>
+              <a:rPr lang="en-US" sz="2800" dirty="0">
+                <a:latin typeface="Helvetica Light" panose="020B0403020202020204" pitchFamily="34" charset="0"/>
+              </a:rPr>
+              <a:t>Assigning </a:t>
+            </a:r>
+            <a:r>
+              <a:rPr lang="en-US" sz="2800" b="1" dirty="0">
+                <a:latin typeface="Helvetica Light" panose="020B0403020202020204" pitchFamily="34" charset="0"/>
+              </a:rPr>
+              <a:t>strings</a:t>
+            </a:r>
+            <a:r>
+              <a:rPr lang="en-US" sz="2800" dirty="0">
+                <a:latin typeface="Helvetica Light" panose="020B0403020202020204" pitchFamily="34" charset="0"/>
+              </a:rPr>
+              <a:t> to variables (requires single or double quotes):</a:t>
+            </a:r>
+          </a:p>
+        </p:txBody>
+      </p:sp>
+    </p:spTree>
+    <p:extLst>
+      <p:ext uri="{BB962C8B-B14F-4D97-AF65-F5344CB8AC3E}">
+        <p14:creationId xmlns:p14="http://schemas.microsoft.com/office/powerpoint/2010/main" val="3597356262"/>
+      </p:ext>
+    </p:extLst>
+  </p:cSld>
+  <p:clrMapOvr>
+    <a:masterClrMapping/>
+  </p:clrMapOvr>
+</p:sld>
+</file>
+
+<file path=ppt/slides/slide6.xml><?xml version="1.0" encoding="utf-8"?>
+<p:sld xmlns:a="http://schemas.openxmlformats.org/drawingml/2006/main" xmlns:r="http://schemas.openxmlformats.org/officeDocument/2006/relationships" xmlns:p="http://schemas.openxmlformats.org/presentationml/2006/main">
+  <p:cSld>
+    <p:spTree>
+      <p:nvGrpSpPr>
+        <p:cNvPr id="1" name=""/>
+        <p:cNvGrpSpPr/>
+        <p:nvPr/>
+      </p:nvGrpSpPr>
+      <p:grpSpPr>
+        <a:xfrm>
+          <a:off x="0" y="0"/>
+          <a:ext cx="0" cy="0"/>
+          <a:chOff x="0" y="0"/>
+          <a:chExt cx="0" cy="0"/>
+        </a:xfrm>
+      </p:grpSpPr>
+      <p:sp>
+        <p:nvSpPr>
+          <p:cNvPr id="2" name="Rectangle 1">
+            <a:extLst>
+              <a:ext uri="{FF2B5EF4-FFF2-40B4-BE49-F238E27FC236}">
+                <a16:creationId xmlns:a16="http://schemas.microsoft.com/office/drawing/2014/main" id="{64BEB290-A9D9-A94B-8702-E860D8F938B4}"/>
+              </a:ext>
+            </a:extLst>
+          </p:cNvPr>
+          <p:cNvSpPr/>
+          <p:nvPr/>
+        </p:nvSpPr>
+        <p:spPr>
+          <a:xfrm>
             <a:off x="629478" y="2098933"/>
             <a:ext cx="10485782" cy="4154984"/>
           </a:xfrm>
@@ -5672,7 +6724,7 @@
 </p:sld>
 </file>
 
-<file path=ppt/slides/slide6.xml><?xml version="1.0" encoding="utf-8"?>
+<file path=ppt/slides/slide7.xml><?xml version="1.0" encoding="utf-8"?>
 <p:sld xmlns:a="http://schemas.openxmlformats.org/drawingml/2006/main" xmlns:r="http://schemas.openxmlformats.org/officeDocument/2006/relationships" xmlns:p="http://schemas.openxmlformats.org/presentationml/2006/main">
   <p:cSld>
     <p:spTree>
@@ -6034,421 +7086,6 @@
 </p:sld>
 </file>
 
-<file path=ppt/slides/slide7.xml><?xml version="1.0" encoding="utf-8"?>
-<p:sld xmlns:a="http://schemas.openxmlformats.org/drawingml/2006/main" xmlns:r="http://schemas.openxmlformats.org/officeDocument/2006/relationships" xmlns:p="http://schemas.openxmlformats.org/presentationml/2006/main">
-  <p:cSld>
-    <p:spTree>
-      <p:nvGrpSpPr>
-        <p:cNvPr id="1" name=""/>
-        <p:cNvGrpSpPr/>
-        <p:nvPr/>
-      </p:nvGrpSpPr>
-      <p:grpSpPr>
-        <a:xfrm>
-          <a:off x="0" y="0"/>
-          <a:ext cx="0" cy="0"/>
-          <a:chOff x="0" y="0"/>
-          <a:chExt cx="0" cy="0"/>
-        </a:xfrm>
-      </p:grpSpPr>
-      <p:sp>
-        <p:nvSpPr>
-          <p:cNvPr id="2" name="Rectangle 1">
-            <a:extLst>
-              <a:ext uri="{FF2B5EF4-FFF2-40B4-BE49-F238E27FC236}">
-                <a16:creationId xmlns:a16="http://schemas.microsoft.com/office/drawing/2014/main" id="{75B6E8E4-FEE0-6748-A507-33295519B353}"/>
-              </a:ext>
-            </a:extLst>
-          </p:cNvPr>
-          <p:cNvSpPr/>
-          <p:nvPr/>
-        </p:nvSpPr>
-        <p:spPr>
-          <a:xfrm>
-            <a:off x="2367169" y="1409878"/>
-            <a:ext cx="6813853" cy="446276"/>
-          </a:xfrm>
-          <a:prstGeom prst="rect">
-            <a:avLst/>
-          </a:prstGeom>
-        </p:spPr>
-        <p:txBody>
-          <a:bodyPr wrap="none">
-            <a:spAutoFit/>
-          </a:bodyPr>
-          <a:lstStyle/>
-          <a:p>
-            <a:r>
-              <a:rPr lang="en-US" sz="2300" dirty="0">
-                <a:latin typeface="Courier New" panose="02070309020205020404" pitchFamily="49" charset="0"/>
-                <a:ea typeface="Courier New" panose="02070309020205020404" pitchFamily="49" charset="0"/>
-                <a:cs typeface="Courier New" panose="02070309020205020404" pitchFamily="49" charset="0"/>
-              </a:rPr>
-              <a:t>%d</a:t>
-            </a:r>
-            <a:r>
-              <a:rPr lang="en-US" sz="2300" dirty="0">
-                <a:latin typeface="Courier New" panose="02070309020205020404" pitchFamily="49" charset="0"/>
-                <a:ea typeface="Times New Roman" panose="02020603050405020304" pitchFamily="18" charset="0"/>
-                <a:cs typeface="Courier New" panose="02070309020205020404" pitchFamily="49" charset="0"/>
-              </a:rPr>
-              <a:t> </a:t>
-            </a:r>
-            <a:r>
-              <a:rPr lang="en-US" sz="2300" dirty="0">
-                <a:latin typeface="+mj-lt"/>
-                <a:ea typeface="Times New Roman" panose="02020603050405020304" pitchFamily="18" charset="0"/>
-              </a:rPr>
-              <a:t>for an integer, </a:t>
-            </a:r>
-            <a:r>
-              <a:rPr lang="en-US" sz="2300" dirty="0">
-                <a:latin typeface="Courier New" panose="02070309020205020404" pitchFamily="49" charset="0"/>
-                <a:ea typeface="Courier New" panose="02070309020205020404" pitchFamily="49" charset="0"/>
-                <a:cs typeface="Courier New" panose="02070309020205020404" pitchFamily="49" charset="0"/>
-              </a:rPr>
-              <a:t>%f</a:t>
-            </a:r>
-            <a:r>
-              <a:rPr lang="en-US" sz="2300" dirty="0">
-                <a:latin typeface="Courier New" panose="02070309020205020404" pitchFamily="49" charset="0"/>
-                <a:ea typeface="Times New Roman" panose="02020603050405020304" pitchFamily="18" charset="0"/>
-                <a:cs typeface="Courier New" panose="02070309020205020404" pitchFamily="49" charset="0"/>
-              </a:rPr>
-              <a:t> </a:t>
-            </a:r>
-            <a:r>
-              <a:rPr lang="en-US" sz="2300" dirty="0">
-                <a:latin typeface="+mj-lt"/>
-                <a:ea typeface="Times New Roman" panose="02020603050405020304" pitchFamily="18" charset="0"/>
-              </a:rPr>
-              <a:t>for a float, and</a:t>
-            </a:r>
-            <a:r>
-              <a:rPr lang="en-US" sz="2300" dirty="0">
-                <a:latin typeface="Courier New" panose="02070309020205020404" pitchFamily="49" charset="0"/>
-                <a:ea typeface="Times New Roman" panose="02020603050405020304" pitchFamily="18" charset="0"/>
-                <a:cs typeface="Courier New" panose="02070309020205020404" pitchFamily="49" charset="0"/>
-              </a:rPr>
-              <a:t> </a:t>
-            </a:r>
-            <a:r>
-              <a:rPr lang="en-US" sz="2300" dirty="0">
-                <a:latin typeface="Courier New" panose="02070309020205020404" pitchFamily="49" charset="0"/>
-                <a:ea typeface="Courier New" panose="02070309020205020404" pitchFamily="49" charset="0"/>
-                <a:cs typeface="Courier New" panose="02070309020205020404" pitchFamily="49" charset="0"/>
-              </a:rPr>
-              <a:t>%s</a:t>
-            </a:r>
-            <a:r>
-              <a:rPr lang="en-US" sz="2300" dirty="0">
-                <a:latin typeface="Courier New" panose="02070309020205020404" pitchFamily="49" charset="0"/>
-                <a:ea typeface="Times New Roman" panose="02020603050405020304" pitchFamily="18" charset="0"/>
-                <a:cs typeface="Courier New" panose="02070309020205020404" pitchFamily="49" charset="0"/>
-              </a:rPr>
-              <a:t> </a:t>
-            </a:r>
-            <a:r>
-              <a:rPr lang="en-US" sz="2300" dirty="0">
-                <a:latin typeface="+mj-lt"/>
-                <a:ea typeface="Times New Roman" panose="02020603050405020304" pitchFamily="18" charset="0"/>
-              </a:rPr>
-              <a:t>for a string. </a:t>
-            </a:r>
-            <a:endParaRPr lang="en-US" sz="2300" dirty="0">
-              <a:latin typeface="+mj-lt"/>
-            </a:endParaRPr>
-          </a:p>
-        </p:txBody>
-      </p:sp>
-      <p:sp>
-        <p:nvSpPr>
-          <p:cNvPr id="3" name="TextBox 2">
-            <a:extLst>
-              <a:ext uri="{FF2B5EF4-FFF2-40B4-BE49-F238E27FC236}">
-                <a16:creationId xmlns:a16="http://schemas.microsoft.com/office/drawing/2014/main" id="{623CF459-0F89-D345-AA63-7A331BEB4ACC}"/>
-              </a:ext>
-            </a:extLst>
-          </p:cNvPr>
-          <p:cNvSpPr txBox="1"/>
-          <p:nvPr/>
-        </p:nvSpPr>
-        <p:spPr>
-          <a:xfrm>
-            <a:off x="1752950" y="327991"/>
-            <a:ext cx="7800533" cy="1031051"/>
-          </a:xfrm>
-          <a:prstGeom prst="rect">
-            <a:avLst/>
-          </a:prstGeom>
-          <a:noFill/>
-        </p:spPr>
-        <p:txBody>
-          <a:bodyPr wrap="none" rtlCol="0">
-            <a:spAutoFit/>
-          </a:bodyPr>
-          <a:lstStyle/>
-          <a:p>
-            <a:pPr algn="ctr"/>
-            <a:r>
-              <a:rPr lang="en-US" sz="3300" b="1" dirty="0">
-                <a:latin typeface="Helvetica Light" panose="020B0403020202020204" pitchFamily="34" charset="0"/>
-              </a:rPr>
-              <a:t>% operator: </a:t>
-            </a:r>
-          </a:p>
-          <a:p>
-            <a:pPr algn="ctr"/>
-            <a:r>
-              <a:rPr lang="en-US" sz="2800" dirty="0">
-                <a:latin typeface="Helvetica Light" panose="020B0403020202020204" pitchFamily="34" charset="0"/>
-              </a:rPr>
-              <a:t>controlling format of scalars in print statements </a:t>
-            </a:r>
-          </a:p>
-        </p:txBody>
-      </p:sp>
-      <p:sp>
-        <p:nvSpPr>
-          <p:cNvPr id="4" name="Rectangle 3">
-            <a:extLst>
-              <a:ext uri="{FF2B5EF4-FFF2-40B4-BE49-F238E27FC236}">
-                <a16:creationId xmlns:a16="http://schemas.microsoft.com/office/drawing/2014/main" id="{049F0A66-6705-AA49-B188-62B08748F2C7}"/>
-              </a:ext>
-            </a:extLst>
-          </p:cNvPr>
-          <p:cNvSpPr/>
-          <p:nvPr/>
-        </p:nvSpPr>
-        <p:spPr>
-          <a:xfrm>
-            <a:off x="1085020" y="2925497"/>
-            <a:ext cx="9604513" cy="886397"/>
-          </a:xfrm>
-          <a:prstGeom prst="rect">
-            <a:avLst/>
-          </a:prstGeom>
-        </p:spPr>
-        <p:txBody>
-          <a:bodyPr wrap="square">
-            <a:spAutoFit/>
-          </a:bodyPr>
-          <a:lstStyle/>
-          <a:p>
-            <a:pPr>
-              <a:lnSpc>
-                <a:spcPct val="115000"/>
-              </a:lnSpc>
-            </a:pPr>
-            <a:r>
-              <a:rPr lang="en-US" sz="2400" dirty="0">
-                <a:solidFill>
-                  <a:srgbClr val="000000"/>
-                </a:solidFill>
-                <a:latin typeface="Courier New" panose="02070309020205020404" pitchFamily="49" charset="0"/>
-                <a:ea typeface="Courier New" panose="02070309020205020404" pitchFamily="49" charset="0"/>
-              </a:rPr>
-              <a:t>Prod = 2/3</a:t>
-            </a:r>
-          </a:p>
-          <a:p>
-            <a:r>
-              <a:rPr lang="en-US" sz="2400" dirty="0">
-                <a:latin typeface="Courier New" panose="02070309020205020404" pitchFamily="49" charset="0"/>
-                <a:cs typeface="Courier New" panose="02070309020205020404" pitchFamily="49" charset="0"/>
-              </a:rPr>
-              <a:t>print ("2/3 should equal roughly %.3f" % (Prod))</a:t>
-            </a:r>
-          </a:p>
-        </p:txBody>
-      </p:sp>
-      <p:sp>
-        <p:nvSpPr>
-          <p:cNvPr id="5" name="Rectangle 4">
-            <a:extLst>
-              <a:ext uri="{FF2B5EF4-FFF2-40B4-BE49-F238E27FC236}">
-                <a16:creationId xmlns:a16="http://schemas.microsoft.com/office/drawing/2014/main" id="{5DB98B2A-C8E4-5E49-8404-193C135195AE}"/>
-              </a:ext>
-            </a:extLst>
-          </p:cNvPr>
-          <p:cNvSpPr/>
-          <p:nvPr/>
-        </p:nvSpPr>
-        <p:spPr>
-          <a:xfrm>
-            <a:off x="1085020" y="2294809"/>
-            <a:ext cx="5259773" cy="446276"/>
-          </a:xfrm>
-          <a:prstGeom prst="rect">
-            <a:avLst/>
-          </a:prstGeom>
-        </p:spPr>
-        <p:txBody>
-          <a:bodyPr wrap="none">
-            <a:spAutoFit/>
-          </a:bodyPr>
-          <a:lstStyle/>
-          <a:p>
-            <a:r>
-              <a:rPr lang="en-US" sz="2300" dirty="0">
-                <a:latin typeface="Courier New" panose="02070309020205020404" pitchFamily="49" charset="0"/>
-                <a:ea typeface="Courier New" panose="02070309020205020404" pitchFamily="49" charset="0"/>
-                <a:cs typeface="Courier New" panose="02070309020205020404" pitchFamily="49" charset="0"/>
-              </a:rPr>
-              <a:t>%f </a:t>
-            </a:r>
-            <a:r>
-              <a:rPr lang="en-US" sz="2300" dirty="0">
-                <a:latin typeface="Helvetica Light" panose="020B0403020202020204" pitchFamily="34" charset="0"/>
-                <a:ea typeface="Courier New" panose="02070309020205020404" pitchFamily="49" charset="0"/>
-                <a:cs typeface="Courier New" panose="02070309020205020404" pitchFamily="49" charset="0"/>
-              </a:rPr>
-              <a:t>controls precision of floats printed.</a:t>
-            </a:r>
-            <a:endParaRPr lang="en-US" sz="2300" dirty="0">
-              <a:latin typeface="+mj-lt"/>
-            </a:endParaRPr>
-          </a:p>
-        </p:txBody>
-      </p:sp>
-      <p:sp>
-        <p:nvSpPr>
-          <p:cNvPr id="6" name="Rectangle 5">
-            <a:extLst>
-              <a:ext uri="{FF2B5EF4-FFF2-40B4-BE49-F238E27FC236}">
-                <a16:creationId xmlns:a16="http://schemas.microsoft.com/office/drawing/2014/main" id="{E454B938-9C88-534D-9C2B-8106A6BC71DA}"/>
-              </a:ext>
-            </a:extLst>
-          </p:cNvPr>
-          <p:cNvSpPr/>
-          <p:nvPr/>
-        </p:nvSpPr>
-        <p:spPr>
-          <a:xfrm>
-            <a:off x="1085020" y="4347051"/>
-            <a:ext cx="9604513" cy="2202141"/>
-          </a:xfrm>
-          <a:prstGeom prst="rect">
-            <a:avLst/>
-          </a:prstGeom>
-        </p:spPr>
-        <p:txBody>
-          <a:bodyPr wrap="square">
-            <a:spAutoFit/>
-          </a:bodyPr>
-          <a:lstStyle/>
-          <a:p>
-            <a:pPr>
-              <a:lnSpc>
-                <a:spcPct val="115000"/>
-              </a:lnSpc>
-            </a:pPr>
-            <a:r>
-              <a:rPr lang="en-US" sz="2400" dirty="0">
-                <a:solidFill>
-                  <a:srgbClr val="000000"/>
-                </a:solidFill>
-                <a:latin typeface="Courier New" panose="02070309020205020404" pitchFamily="49" charset="0"/>
-                <a:ea typeface="Courier New" panose="02070309020205020404" pitchFamily="49" charset="0"/>
-              </a:rPr>
-              <a:t>Temp = 72.3</a:t>
-            </a:r>
-          </a:p>
-          <a:p>
-            <a:pPr>
-              <a:lnSpc>
-                <a:spcPct val="115000"/>
-              </a:lnSpc>
-            </a:pPr>
-            <a:r>
-              <a:rPr lang="en-US" sz="2400" dirty="0">
-                <a:solidFill>
-                  <a:srgbClr val="000000"/>
-                </a:solidFill>
-                <a:latin typeface="Courier New" panose="02070309020205020404" pitchFamily="49" charset="0"/>
-                <a:ea typeface="Courier New" panose="02070309020205020404" pitchFamily="49" charset="0"/>
-              </a:rPr>
-              <a:t>Seq = </a:t>
-            </a:r>
-            <a:r>
-              <a:rPr lang="en-US" sz="2400" dirty="0">
-                <a:latin typeface="Courier New" panose="02070309020205020404" pitchFamily="49" charset="0"/>
-                <a:cs typeface="Courier New" panose="02070309020205020404" pitchFamily="49" charset="0"/>
-              </a:rPr>
-              <a:t>"</a:t>
-            </a:r>
-            <a:r>
-              <a:rPr lang="en-US" sz="2400" dirty="0">
-                <a:solidFill>
-                  <a:srgbClr val="000000"/>
-                </a:solidFill>
-                <a:latin typeface="Courier New" panose="02070309020205020404" pitchFamily="49" charset="0"/>
-                <a:ea typeface="Courier New" panose="02070309020205020404" pitchFamily="49" charset="0"/>
-              </a:rPr>
-              <a:t>ATCCC</a:t>
-            </a:r>
-            <a:r>
-              <a:rPr lang="en-US" sz="2400" dirty="0">
-                <a:latin typeface="Courier New" panose="02070309020205020404" pitchFamily="49" charset="0"/>
-                <a:cs typeface="Courier New" panose="02070309020205020404" pitchFamily="49" charset="0"/>
-              </a:rPr>
-              <a:t>" </a:t>
-            </a:r>
-          </a:p>
-          <a:p>
-            <a:pPr>
-              <a:lnSpc>
-                <a:spcPct val="115000"/>
-              </a:lnSpc>
-            </a:pPr>
-            <a:r>
-              <a:rPr lang="en-US" sz="2400" dirty="0">
-                <a:solidFill>
-                  <a:srgbClr val="000000"/>
-                </a:solidFill>
-                <a:latin typeface="Courier New" panose="02070309020205020404" pitchFamily="49" charset="0"/>
-                <a:ea typeface="Courier New" panose="02070309020205020404" pitchFamily="49" charset="0"/>
-                <a:cs typeface="Courier New" panose="02070309020205020404" pitchFamily="49" charset="0"/>
-              </a:rPr>
-              <a:t>Num = 23</a:t>
-            </a:r>
-            <a:endParaRPr lang="en-US" sz="2400" dirty="0">
-              <a:solidFill>
-                <a:srgbClr val="000000"/>
-              </a:solidFill>
-              <a:latin typeface="Courier New" panose="02070309020205020404" pitchFamily="49" charset="0"/>
-              <a:ea typeface="Courier New" panose="02070309020205020404" pitchFamily="49" charset="0"/>
-            </a:endParaRPr>
-          </a:p>
-          <a:p>
-            <a:pPr>
-              <a:lnSpc>
-                <a:spcPct val="115000"/>
-              </a:lnSpc>
-            </a:pPr>
-            <a:r>
-              <a:rPr lang="en-US" sz="2400" dirty="0">
-                <a:latin typeface="Courier New" panose="02070309020205020404" pitchFamily="49" charset="0"/>
-                <a:cs typeface="Courier New" panose="02070309020205020404" pitchFamily="49" charset="0"/>
-              </a:rPr>
-              <a:t>print("Primer %d, bases %s, melting point %f" % (Num, Seq, Temp))</a:t>
-            </a:r>
-          </a:p>
-        </p:txBody>
-      </p:sp>
-    </p:spTree>
-    <p:extLst>
-      <p:ext uri="{BB962C8B-B14F-4D97-AF65-F5344CB8AC3E}">
-        <p14:creationId xmlns:p14="http://schemas.microsoft.com/office/powerpoint/2010/main" val="1979023920"/>
-      </p:ext>
-    </p:extLst>
-  </p:cSld>
-  <p:clrMapOvr>
-    <a:masterClrMapping/>
-  </p:clrMapOvr>
-</p:sld>
-</file>
-
 <file path=ppt/slides/slide8.xml><?xml version="1.0" encoding="utf-8"?>
 <p:sld xmlns:a="http://schemas.openxmlformats.org/drawingml/2006/main" xmlns:r="http://schemas.openxmlformats.org/officeDocument/2006/relationships" xmlns:p="http://schemas.openxmlformats.org/presentationml/2006/main">
   <p:cSld>
@@ -6468,10 +7105,120 @@
       </p:grpSpPr>
       <p:sp>
         <p:nvSpPr>
-          <p:cNvPr id="2" name="TextBox 1">
-            <a:extLst>
-              <a:ext uri="{FF2B5EF4-FFF2-40B4-BE49-F238E27FC236}">
-                <a16:creationId xmlns:a16="http://schemas.microsoft.com/office/drawing/2014/main" id="{090BC4A2-9B62-A242-A5D4-64C574932116}"/>
+          <p:cNvPr id="2" name="Rectangle 1">
+            <a:extLst>
+              <a:ext uri="{FF2B5EF4-FFF2-40B4-BE49-F238E27FC236}">
+                <a16:creationId xmlns:a16="http://schemas.microsoft.com/office/drawing/2014/main" id="{75B6E8E4-FEE0-6748-A507-33295519B353}"/>
+              </a:ext>
+            </a:extLst>
+          </p:cNvPr>
+          <p:cNvSpPr/>
+          <p:nvPr/>
+        </p:nvSpPr>
+        <p:spPr>
+          <a:xfrm>
+            <a:off x="2367169" y="1409878"/>
+            <a:ext cx="6813853" cy="446276"/>
+          </a:xfrm>
+          <a:prstGeom prst="rect">
+            <a:avLst/>
+          </a:prstGeom>
+        </p:spPr>
+        <p:txBody>
+          <a:bodyPr wrap="none">
+            <a:spAutoFit/>
+          </a:bodyPr>
+          <a:lstStyle/>
+          <a:p>
+            <a:r>
+              <a:rPr lang="en-US" sz="2300" dirty="0">
+                <a:latin typeface="Courier New" panose="02070309020205020404" pitchFamily="49" charset="0"/>
+                <a:ea typeface="Courier New" panose="02070309020205020404" pitchFamily="49" charset="0"/>
+                <a:cs typeface="Courier New" panose="02070309020205020404" pitchFamily="49" charset="0"/>
+              </a:rPr>
+              <a:t>%d</a:t>
+            </a:r>
+            <a:r>
+              <a:rPr lang="en-US" sz="2300" dirty="0">
+                <a:latin typeface="Courier New" panose="02070309020205020404" pitchFamily="49" charset="0"/>
+                <a:ea typeface="Times New Roman" panose="02020603050405020304" pitchFamily="18" charset="0"/>
+                <a:cs typeface="Courier New" panose="02070309020205020404" pitchFamily="49" charset="0"/>
+              </a:rPr>
+              <a:t> </a:t>
+            </a:r>
+            <a:r>
+              <a:rPr lang="en-US" sz="2300" dirty="0">
+                <a:latin typeface="+mj-lt"/>
+                <a:ea typeface="Times New Roman" panose="02020603050405020304" pitchFamily="18" charset="0"/>
+              </a:rPr>
+              <a:t>for an integer, </a:t>
+            </a:r>
+            <a:r>
+              <a:rPr lang="en-US" sz="2300" dirty="0">
+                <a:latin typeface="Courier New" panose="02070309020205020404" pitchFamily="49" charset="0"/>
+                <a:ea typeface="Courier New" panose="02070309020205020404" pitchFamily="49" charset="0"/>
+                <a:cs typeface="Courier New" panose="02070309020205020404" pitchFamily="49" charset="0"/>
+              </a:rPr>
+              <a:t>%f</a:t>
+            </a:r>
+            <a:r>
+              <a:rPr lang="en-US" sz="2300" dirty="0">
+                <a:latin typeface="Courier New" panose="02070309020205020404" pitchFamily="49" charset="0"/>
+                <a:ea typeface="Times New Roman" panose="02020603050405020304" pitchFamily="18" charset="0"/>
+                <a:cs typeface="Courier New" panose="02070309020205020404" pitchFamily="49" charset="0"/>
+              </a:rPr>
+              <a:t> </a:t>
+            </a:r>
+            <a:r>
+              <a:rPr lang="en-US" sz="2300" dirty="0">
+                <a:latin typeface="+mj-lt"/>
+                <a:ea typeface="Times New Roman" panose="02020603050405020304" pitchFamily="18" charset="0"/>
+              </a:rPr>
+              <a:t>for a float, and</a:t>
+            </a:r>
+            <a:r>
+              <a:rPr lang="en-US" sz="2300" dirty="0">
+                <a:latin typeface="Courier New" panose="02070309020205020404" pitchFamily="49" charset="0"/>
+                <a:ea typeface="Times New Roman" panose="02020603050405020304" pitchFamily="18" charset="0"/>
+                <a:cs typeface="Courier New" panose="02070309020205020404" pitchFamily="49" charset="0"/>
+              </a:rPr>
+              <a:t> </a:t>
+            </a:r>
+            <a:r>
+              <a:rPr lang="en-US" sz="2300" dirty="0">
+                <a:latin typeface="Courier New" panose="02070309020205020404" pitchFamily="49" charset="0"/>
+                <a:ea typeface="Courier New" panose="02070309020205020404" pitchFamily="49" charset="0"/>
+                <a:cs typeface="Courier New" panose="02070309020205020404" pitchFamily="49" charset="0"/>
+              </a:rPr>
+              <a:t>%s</a:t>
+            </a:r>
+            <a:r>
+              <a:rPr lang="en-US" sz="2300" dirty="0">
+                <a:latin typeface="Courier New" panose="02070309020205020404" pitchFamily="49" charset="0"/>
+                <a:ea typeface="Times New Roman" panose="02020603050405020304" pitchFamily="18" charset="0"/>
+                <a:cs typeface="Courier New" panose="02070309020205020404" pitchFamily="49" charset="0"/>
+              </a:rPr>
+              <a:t> </a:t>
+            </a:r>
+            <a:r>
+              <a:rPr lang="en-US" sz="2300" dirty="0">
+                <a:latin typeface="+mj-lt"/>
+                <a:ea typeface="Times New Roman" panose="02020603050405020304" pitchFamily="18" charset="0"/>
+              </a:rPr>
+              <a:t>for a string. </a:t>
+            </a:r>
+            <a:endParaRPr lang="en-US" sz="2300" dirty="0">
+              <a:latin typeface="+mj-lt"/>
+            </a:endParaRPr>
+          </a:p>
+        </p:txBody>
+      </p:sp>
+      <p:sp>
+        <p:nvSpPr>
+          <p:cNvPr id="3" name="TextBox 2">
+            <a:extLst>
+              <a:ext uri="{FF2B5EF4-FFF2-40B4-BE49-F238E27FC236}">
+                <a16:creationId xmlns:a16="http://schemas.microsoft.com/office/drawing/2014/main" id="{623CF459-0F89-D345-AA63-7A331BEB4ACC}"/>
               </a:ext>
             </a:extLst>
           </p:cNvPr>
@@ -6480,8 +7227,8 @@
         </p:nvSpPr>
         <p:spPr>
           <a:xfrm>
-            <a:off x="2691497" y="449207"/>
-            <a:ext cx="6340197" cy="600164"/>
+            <a:off x="1752950" y="327991"/>
+            <a:ext cx="7800533" cy="1031051"/>
           </a:xfrm>
           <a:prstGeom prst="rect">
             <a:avLst/>
@@ -6494,33 +7241,31 @@
           </a:bodyPr>
           <a:lstStyle/>
           <a:p>
+            <a:pPr algn="ctr"/>
             <a:r>
               <a:rPr lang="en-US" sz="3300" b="1" dirty="0">
                 <a:latin typeface="Helvetica Light" panose="020B0403020202020204" pitchFamily="34" charset="0"/>
               </a:rPr>
-              <a:t>Interactive mode help() and </a:t>
-            </a:r>
-            <a:r>
-              <a:rPr lang="en-US" sz="3300" b="1" dirty="0" err="1">
-                <a:latin typeface="Helvetica Light" panose="020B0403020202020204" pitchFamily="34" charset="0"/>
-              </a:rPr>
-              <a:t>dir</a:t>
-            </a:r>
-            <a:r>
-              <a:rPr lang="en-US" sz="3300" b="1" dirty="0">
-                <a:latin typeface="Helvetica Light" panose="020B0403020202020204" pitchFamily="34" charset="0"/>
-              </a:rPr>
-              <a:t>()</a:t>
-            </a:r>
-          </a:p>
-        </p:txBody>
-      </p:sp>
-      <p:sp>
-        <p:nvSpPr>
-          <p:cNvPr id="3" name="Rectangle 2">
-            <a:extLst>
-              <a:ext uri="{FF2B5EF4-FFF2-40B4-BE49-F238E27FC236}">
-                <a16:creationId xmlns:a16="http://schemas.microsoft.com/office/drawing/2014/main" id="{AE512135-4E26-EA4B-8F81-2F5B981B57B4}"/>
+              <a:t>% operator: </a:t>
+            </a:r>
+          </a:p>
+          <a:p>
+            <a:pPr algn="ctr"/>
+            <a:r>
+              <a:rPr lang="en-US" sz="2800" dirty="0">
+                <a:latin typeface="Helvetica Light" panose="020B0403020202020204" pitchFamily="34" charset="0"/>
+              </a:rPr>
+              <a:t>controlling format of scalars in print statements </a:t>
+            </a:r>
+          </a:p>
+        </p:txBody>
+      </p:sp>
+      <p:sp>
+        <p:nvSpPr>
+          <p:cNvPr id="4" name="Rectangle 3">
+            <a:extLst>
+              <a:ext uri="{FF2B5EF4-FFF2-40B4-BE49-F238E27FC236}">
+                <a16:creationId xmlns:a16="http://schemas.microsoft.com/office/drawing/2014/main" id="{049F0A66-6705-AA49-B188-62B08748F2C7}"/>
               </a:ext>
             </a:extLst>
           </p:cNvPr>
@@ -6529,124 +7274,216 @@
         </p:nvSpPr>
         <p:spPr>
           <a:xfrm>
-            <a:off x="1370622" y="1452770"/>
-            <a:ext cx="7661072" cy="830997"/>
+            <a:off x="1085020" y="2925497"/>
+            <a:ext cx="9604513" cy="886397"/>
           </a:xfrm>
           <a:prstGeom prst="rect">
             <a:avLst/>
           </a:prstGeom>
         </p:spPr>
         <p:txBody>
-          <a:bodyPr wrap="none">
+          <a:bodyPr wrap="square">
             <a:spAutoFit/>
           </a:bodyPr>
           <a:lstStyle/>
           <a:p>
-            <a:r>
-              <a:rPr lang="en-US" sz="2600" dirty="0">
+            <a:pPr>
+              <a:lnSpc>
+                <a:spcPct val="115000"/>
+              </a:lnSpc>
+            </a:pPr>
+            <a:r>
+              <a:rPr lang="en-US" sz="2400" dirty="0">
+                <a:solidFill>
+                  <a:srgbClr val="000000"/>
+                </a:solidFill>
+                <a:latin typeface="Courier New" panose="02070309020205020404" pitchFamily="49" charset="0"/>
+                <a:ea typeface="Courier New" panose="02070309020205020404" pitchFamily="49" charset="0"/>
+              </a:rPr>
+              <a:t>Prod = 2/3</a:t>
+            </a:r>
+          </a:p>
+          <a:p>
+            <a:r>
+              <a:rPr lang="en-US" sz="2400" dirty="0">
                 <a:latin typeface="Courier New" panose="02070309020205020404" pitchFamily="49" charset="0"/>
                 <a:cs typeface="Courier New" panose="02070309020205020404" pitchFamily="49" charset="0"/>
               </a:rPr>
-              <a:t>help(str)		</a:t>
-            </a:r>
-          </a:p>
-          <a:p>
-            <a:r>
-              <a:rPr lang="en-US" sz="2200" dirty="0">
-                <a:latin typeface="Courier New" panose="02070309020205020404" pitchFamily="49" charset="0"/>
-                <a:cs typeface="Courier New" panose="02070309020205020404" pitchFamily="49" charset="0"/>
-              </a:rPr>
-              <a:t># provides brief description of str function</a:t>
-            </a:r>
-            <a:endParaRPr lang="en-US" sz="2200" dirty="0">
-              <a:effectLst/>
-              <a:latin typeface="Courier New" panose="02070309020205020404" pitchFamily="49" charset="0"/>
-              <a:cs typeface="Courier New" panose="02070309020205020404" pitchFamily="49" charset="0"/>
-            </a:endParaRPr>
-          </a:p>
-        </p:txBody>
-      </p:sp>
-      <p:pic>
-        <p:nvPicPr>
-          <p:cNvPr id="6" name="Picture 5" descr="A blackboard sign on a wall&#10;&#10;Description automatically generated">
-            <a:extLst>
-              <a:ext uri="{FF2B5EF4-FFF2-40B4-BE49-F238E27FC236}">
-                <a16:creationId xmlns:a16="http://schemas.microsoft.com/office/drawing/2014/main" id="{CB5ED61C-480B-1F4F-BC6B-08EE1FCCC2BD}"/>
-              </a:ext>
-            </a:extLst>
-          </p:cNvPr>
-          <p:cNvPicPr>
-            <a:picLocks noChangeAspect="1"/>
-          </p:cNvPicPr>
+              <a:t>print ("2/3 should equal roughly %.3f" % (Prod))</a:t>
+            </a:r>
+          </a:p>
+        </p:txBody>
+      </p:sp>
+      <p:sp>
+        <p:nvSpPr>
+          <p:cNvPr id="5" name="Rectangle 4">
+            <a:extLst>
+              <a:ext uri="{FF2B5EF4-FFF2-40B4-BE49-F238E27FC236}">
+                <a16:creationId xmlns:a16="http://schemas.microsoft.com/office/drawing/2014/main" id="{5DB98B2A-C8E4-5E49-8404-193C135195AE}"/>
+              </a:ext>
+            </a:extLst>
+          </p:cNvPr>
+          <p:cNvSpPr/>
           <p:nvPr/>
-        </p:nvPicPr>
-        <p:blipFill>
-          <a:blip r:embed="rId2"/>
-          <a:stretch>
-            <a:fillRect/>
-          </a:stretch>
-        </p:blipFill>
+        </p:nvSpPr>
         <p:spPr>
           <a:xfrm>
-            <a:off x="1062817" y="2687166"/>
-            <a:ext cx="6279559" cy="3721627"/>
+            <a:off x="1085020" y="2294809"/>
+            <a:ext cx="5259773" cy="446276"/>
           </a:xfrm>
           <a:prstGeom prst="rect">
             <a:avLst/>
           </a:prstGeom>
         </p:spPr>
-      </p:pic>
-      <p:sp>
-        <p:nvSpPr>
-          <p:cNvPr id="7" name="TextBox 6">
-            <a:extLst>
-              <a:ext uri="{FF2B5EF4-FFF2-40B4-BE49-F238E27FC236}">
-                <a16:creationId xmlns:a16="http://schemas.microsoft.com/office/drawing/2014/main" id="{595CAE82-27F4-714B-9EFF-7CC1DE322C4C}"/>
-              </a:ext>
-            </a:extLst>
-          </p:cNvPr>
-          <p:cNvSpPr txBox="1"/>
+        <p:txBody>
+          <a:bodyPr wrap="none">
+            <a:spAutoFit/>
+          </a:bodyPr>
+          <a:lstStyle/>
+          <a:p>
+            <a:r>
+              <a:rPr lang="en-US" sz="2300" dirty="0">
+                <a:latin typeface="Courier New" panose="02070309020205020404" pitchFamily="49" charset="0"/>
+                <a:ea typeface="Courier New" panose="02070309020205020404" pitchFamily="49" charset="0"/>
+                <a:cs typeface="Courier New" panose="02070309020205020404" pitchFamily="49" charset="0"/>
+              </a:rPr>
+              <a:t>%f </a:t>
+            </a:r>
+            <a:r>
+              <a:rPr lang="en-US" sz="2300" dirty="0">
+                <a:latin typeface="Helvetica Light" panose="020B0403020202020204" pitchFamily="34" charset="0"/>
+                <a:ea typeface="Courier New" panose="02070309020205020404" pitchFamily="49" charset="0"/>
+                <a:cs typeface="Courier New" panose="02070309020205020404" pitchFamily="49" charset="0"/>
+              </a:rPr>
+              <a:t>controls precision of floats printed.</a:t>
+            </a:r>
+            <a:endParaRPr lang="en-US" sz="2300" dirty="0">
+              <a:latin typeface="+mj-lt"/>
+            </a:endParaRPr>
+          </a:p>
+        </p:txBody>
+      </p:sp>
+      <p:sp>
+        <p:nvSpPr>
+          <p:cNvPr id="6" name="Rectangle 5">
+            <a:extLst>
+              <a:ext uri="{FF2B5EF4-FFF2-40B4-BE49-F238E27FC236}">
+                <a16:creationId xmlns:a16="http://schemas.microsoft.com/office/drawing/2014/main" id="{E454B938-9C88-534D-9C2B-8106A6BC71DA}"/>
+              </a:ext>
+            </a:extLst>
+          </p:cNvPr>
+          <p:cNvSpPr/>
           <p:nvPr/>
         </p:nvSpPr>
         <p:spPr>
           <a:xfrm>
-            <a:off x="7512689" y="3690730"/>
-            <a:ext cx="4483842" cy="1369606"/>
+            <a:off x="1085020" y="4347051"/>
+            <a:ext cx="9604513" cy="2202141"/>
           </a:xfrm>
           <a:prstGeom prst="rect">
             <a:avLst/>
           </a:prstGeom>
-          <a:noFill/>
         </p:spPr>
         <p:txBody>
-          <a:bodyPr wrap="square" rtlCol="0">
+          <a:bodyPr wrap="square">
             <a:spAutoFit/>
           </a:bodyPr>
           <a:lstStyle/>
           <a:p>
+            <a:pPr>
+              <a:lnSpc>
+                <a:spcPct val="115000"/>
+              </a:lnSpc>
+            </a:pPr>
             <a:r>
               <a:rPr lang="en-US" sz="2400" dirty="0">
-                <a:latin typeface="Helvetica Light" panose="020B0403020202020204" pitchFamily="34" charset="0"/>
-              </a:rPr>
-              <a:t>Hitting tab after variable name followed by </a:t>
-            </a:r>
-            <a:r>
-              <a:rPr lang="en-US" sz="3500" b="1" dirty="0">
-                <a:latin typeface="Helvetica Light" panose="020B0403020202020204" pitchFamily="34" charset="0"/>
-              </a:rPr>
-              <a:t>.</a:t>
-            </a:r>
-            <a:r>
-              <a:rPr lang="en-US" sz="2400" b="1" dirty="0">
-                <a:latin typeface="Helvetica Light" panose="020B0403020202020204" pitchFamily="34" charset="0"/>
-              </a:rPr>
-              <a:t> </a:t>
-            </a:r>
+                <a:solidFill>
+                  <a:srgbClr val="000000"/>
+                </a:solidFill>
+                <a:latin typeface="Courier New" panose="02070309020205020404" pitchFamily="49" charset="0"/>
+                <a:ea typeface="Courier New" panose="02070309020205020404" pitchFamily="49" charset="0"/>
+              </a:rPr>
+              <a:t>Temp = 72.3</a:t>
+            </a:r>
+          </a:p>
+          <a:p>
+            <a:pPr>
+              <a:lnSpc>
+                <a:spcPct val="115000"/>
+              </a:lnSpc>
+            </a:pPr>
             <a:r>
               <a:rPr lang="en-US" sz="2400" dirty="0">
-                <a:latin typeface="Helvetica Light" panose="020B0403020202020204" pitchFamily="34" charset="0"/>
-              </a:rPr>
-              <a:t>will list methods available to that variable.</a:t>
+                <a:solidFill>
+                  <a:srgbClr val="000000"/>
+                </a:solidFill>
+                <a:latin typeface="Courier New" panose="02070309020205020404" pitchFamily="49" charset="0"/>
+                <a:ea typeface="Courier New" panose="02070309020205020404" pitchFamily="49" charset="0"/>
+              </a:rPr>
+              <a:t>Seq = </a:t>
+            </a:r>
+            <a:r>
+              <a:rPr lang="en-US" sz="2400" dirty="0">
+                <a:latin typeface="Courier New" panose="02070309020205020404" pitchFamily="49" charset="0"/>
+                <a:cs typeface="Courier New" panose="02070309020205020404" pitchFamily="49" charset="0"/>
+              </a:rPr>
+              <a:t>"</a:t>
+            </a:r>
+            <a:r>
+              <a:rPr lang="en-US" sz="2400" dirty="0">
+                <a:solidFill>
+                  <a:srgbClr val="000000"/>
+                </a:solidFill>
+                <a:latin typeface="Courier New" panose="02070309020205020404" pitchFamily="49" charset="0"/>
+                <a:ea typeface="Courier New" panose="02070309020205020404" pitchFamily="49" charset="0"/>
+              </a:rPr>
+              <a:t>ATCCC</a:t>
+            </a:r>
+            <a:r>
+              <a:rPr lang="en-US" sz="2400" dirty="0">
+                <a:latin typeface="Courier New" panose="02070309020205020404" pitchFamily="49" charset="0"/>
+                <a:cs typeface="Courier New" panose="02070309020205020404" pitchFamily="49" charset="0"/>
+              </a:rPr>
+              <a:t>" </a:t>
+            </a:r>
+          </a:p>
+          <a:p>
+            <a:pPr>
+              <a:lnSpc>
+                <a:spcPct val="115000"/>
+              </a:lnSpc>
+            </a:pPr>
+            <a:r>
+              <a:rPr lang="en-US" sz="2400" dirty="0">
+                <a:solidFill>
+                  <a:srgbClr val="000000"/>
+                </a:solidFill>
+                <a:latin typeface="Courier New" panose="02070309020205020404" pitchFamily="49" charset="0"/>
+                <a:ea typeface="Courier New" panose="02070309020205020404" pitchFamily="49" charset="0"/>
+                <a:cs typeface="Courier New" panose="02070309020205020404" pitchFamily="49" charset="0"/>
+              </a:rPr>
+              <a:t>Num = 23</a:t>
+            </a:r>
+            <a:endParaRPr lang="en-US" sz="2400" dirty="0">
+              <a:solidFill>
+                <a:srgbClr val="000000"/>
+              </a:solidFill>
+              <a:latin typeface="Courier New" panose="02070309020205020404" pitchFamily="49" charset="0"/>
+              <a:ea typeface="Courier New" panose="02070309020205020404" pitchFamily="49" charset="0"/>
+            </a:endParaRPr>
+          </a:p>
+          <a:p>
+            <a:pPr>
+              <a:lnSpc>
+                <a:spcPct val="115000"/>
+              </a:lnSpc>
+            </a:pPr>
+            <a:r>
+              <a:rPr lang="en-US" sz="2400" dirty="0">
+                <a:latin typeface="Courier New" panose="02070309020205020404" pitchFamily="49" charset="0"/>
+                <a:cs typeface="Courier New" panose="02070309020205020404" pitchFamily="49" charset="0"/>
+              </a:rPr>
+              <a:t>print("Primer %d, bases %s, melting point %f" % (Num, Seq, Temp))</a:t>
             </a:r>
           </a:p>
         </p:txBody>
@@ -6654,7 +7491,7 @@
     </p:spTree>
     <p:extLst>
       <p:ext uri="{BB962C8B-B14F-4D97-AF65-F5344CB8AC3E}">
-        <p14:creationId xmlns:p14="http://schemas.microsoft.com/office/powerpoint/2010/main" val="1300954205"/>
+        <p14:creationId xmlns:p14="http://schemas.microsoft.com/office/powerpoint/2010/main" val="1979023920"/>
       </p:ext>
     </p:extLst>
   </p:cSld>
@@ -6683,10 +7520,59 @@
       </p:grpSpPr>
       <p:sp>
         <p:nvSpPr>
-          <p:cNvPr id="2" name="Rectangle 1">
-            <a:extLst>
-              <a:ext uri="{FF2B5EF4-FFF2-40B4-BE49-F238E27FC236}">
-                <a16:creationId xmlns:a16="http://schemas.microsoft.com/office/drawing/2014/main" id="{C0DC5892-0CFC-524E-BB4E-0851726A9AE2}"/>
+          <p:cNvPr id="2" name="TextBox 1">
+            <a:extLst>
+              <a:ext uri="{FF2B5EF4-FFF2-40B4-BE49-F238E27FC236}">
+                <a16:creationId xmlns:a16="http://schemas.microsoft.com/office/drawing/2014/main" id="{090BC4A2-9B62-A242-A5D4-64C574932116}"/>
+              </a:ext>
+            </a:extLst>
+          </p:cNvPr>
+          <p:cNvSpPr txBox="1"/>
+          <p:nvPr/>
+        </p:nvSpPr>
+        <p:spPr>
+          <a:xfrm>
+            <a:off x="2691497" y="449207"/>
+            <a:ext cx="6340197" cy="600164"/>
+          </a:xfrm>
+          <a:prstGeom prst="rect">
+            <a:avLst/>
+          </a:prstGeom>
+          <a:noFill/>
+        </p:spPr>
+        <p:txBody>
+          <a:bodyPr wrap="none" rtlCol="0">
+            <a:spAutoFit/>
+          </a:bodyPr>
+          <a:lstStyle/>
+          <a:p>
+            <a:r>
+              <a:rPr lang="en-US" sz="3300" b="1" dirty="0">
+                <a:latin typeface="Helvetica Light" panose="020B0403020202020204" pitchFamily="34" charset="0"/>
+              </a:rPr>
+              <a:t>Interactive mode help() and </a:t>
+            </a:r>
+            <a:r>
+              <a:rPr lang="en-US" sz="3300" b="1" dirty="0" err="1">
+                <a:latin typeface="Helvetica Light" panose="020B0403020202020204" pitchFamily="34" charset="0"/>
+              </a:rPr>
+              <a:t>dir</a:t>
+            </a:r>
+            <a:r>
+              <a:rPr lang="en-US" sz="3300" b="1" dirty="0">
+                <a:latin typeface="Helvetica Light" panose="020B0403020202020204" pitchFamily="34" charset="0"/>
+              </a:rPr>
+              <a:t>()</a:t>
+            </a:r>
+          </a:p>
+        </p:txBody>
+      </p:sp>
+      <p:sp>
+        <p:nvSpPr>
+          <p:cNvPr id="3" name="Rectangle 2">
+            <a:extLst>
+              <a:ext uri="{FF2B5EF4-FFF2-40B4-BE49-F238E27FC236}">
+                <a16:creationId xmlns:a16="http://schemas.microsoft.com/office/drawing/2014/main" id="{AE512135-4E26-EA4B-8F81-2F5B981B57B4}"/>
               </a:ext>
             </a:extLst>
           </p:cNvPr>
@@ -6695,256 +7581,79 @@
         </p:nvSpPr>
         <p:spPr>
           <a:xfrm>
-            <a:off x="457200" y="399030"/>
-            <a:ext cx="10849232" cy="3139321"/>
+            <a:off x="1370622" y="1452770"/>
+            <a:ext cx="7830990" cy="830997"/>
           </a:xfrm>
           <a:prstGeom prst="rect">
             <a:avLst/>
           </a:prstGeom>
         </p:spPr>
         <p:txBody>
-          <a:bodyPr wrap="square">
+          <a:bodyPr wrap="none">
             <a:spAutoFit/>
           </a:bodyPr>
           <a:lstStyle/>
           <a:p>
             <a:r>
-              <a:rPr lang="en-US" sz="2200" b="1" dirty="0">
-                <a:latin typeface="Helvetica Light" panose="020B0403020202020204" pitchFamily="34" charset="0"/>
-              </a:rPr>
-              <a:t>Practice script 3. </a:t>
-            </a:r>
+              <a:rPr lang="en-US" sz="2600" dirty="0">
+                <a:latin typeface="Courier New" panose="02070309020205020404" pitchFamily="49" charset="0"/>
+                <a:cs typeface="Courier New" panose="02070309020205020404" pitchFamily="49" charset="0"/>
+              </a:rPr>
+              <a:t>help(str)		</a:t>
+            </a:r>
+          </a:p>
+          <a:p>
             <a:r>
               <a:rPr lang="en-US" sz="2200" dirty="0">
-                <a:latin typeface="Helvetica Light" panose="020B0403020202020204" pitchFamily="34" charset="0"/>
-              </a:rPr>
-              <a:t>Write a python script to calculate expected genotype frequencies in a population under Hardy Weinberg Equilibrium based on known allele frequencies at a gene with TWO alleles. As a reminder, a population under Hardy-Weinberg equilibrium has genotype frequencies predictable from allele frequencies (</a:t>
-            </a:r>
-            <a:r>
-              <a:rPr lang="en-US" sz="2200" b="1" dirty="0">
-                <a:latin typeface="Helvetica Light" panose="020B0403020202020204" pitchFamily="34" charset="0"/>
-              </a:rPr>
-              <a:t>p</a:t>
-            </a:r>
-            <a:r>
-              <a:rPr lang="en-US" sz="2200" dirty="0">
-                <a:latin typeface="Helvetica Light" panose="020B0403020202020204" pitchFamily="34" charset="0"/>
-              </a:rPr>
-              <a:t> and </a:t>
-            </a:r>
-            <a:r>
-              <a:rPr lang="en-US" sz="2200" b="1" dirty="0">
-                <a:latin typeface="Helvetica Light" panose="020B0403020202020204" pitchFamily="34" charset="0"/>
-              </a:rPr>
-              <a:t>q</a:t>
-            </a:r>
-            <a:r>
-              <a:rPr lang="en-US" sz="2200" dirty="0">
-                <a:latin typeface="Helvetica Light" panose="020B0403020202020204" pitchFamily="34" charset="0"/>
-              </a:rPr>
-              <a:t>):</a:t>
-            </a:r>
-          </a:p>
-          <a:p>
-            <a:r>
-              <a:rPr lang="en-US" sz="2200" dirty="0">
-                <a:latin typeface="Helvetica Light" panose="020B0403020202020204" pitchFamily="34" charset="0"/>
-              </a:rPr>
-              <a:t> </a:t>
-            </a:r>
-          </a:p>
-          <a:p>
-            <a:r>
-              <a:rPr lang="en-US" sz="2200" b="1" dirty="0">
-                <a:latin typeface="Helvetica Light" panose="020B0403020202020204" pitchFamily="34" charset="0"/>
-              </a:rPr>
-              <a:t>p**2 + 2pq + q**2 = 1</a:t>
-            </a:r>
-          </a:p>
-          <a:p>
-            <a:endParaRPr lang="en-US" sz="2200" b="1" dirty="0">
-              <a:latin typeface="Helvetica Light" panose="020B0403020202020204" pitchFamily="34" charset="0"/>
+                <a:latin typeface="Courier New" panose="02070309020205020404" pitchFamily="49" charset="0"/>
+                <a:cs typeface="Courier New" panose="02070309020205020404" pitchFamily="49" charset="0"/>
+              </a:rPr>
+              <a:t># provides brief description of str functions</a:t>
+            </a:r>
+            <a:endParaRPr lang="en-US" sz="2200" dirty="0">
+              <a:effectLst/>
+              <a:latin typeface="Courier New" panose="02070309020205020404" pitchFamily="49" charset="0"/>
+              <a:cs typeface="Courier New" panose="02070309020205020404" pitchFamily="49" charset="0"/>
             </a:endParaRPr>
           </a:p>
-          <a:p>
-            <a:r>
-              <a:rPr lang="en-US" sz="2200" dirty="0">
-                <a:latin typeface="Helvetica Light" panose="020B0403020202020204" pitchFamily="34" charset="0"/>
-              </a:rPr>
-              <a:t>So, your script needs to return three values (e.g., AA: </a:t>
-            </a:r>
-            <a:r>
-              <a:rPr lang="en-US" sz="2200" b="1" dirty="0">
-                <a:latin typeface="Helvetica Light" panose="020B0403020202020204" pitchFamily="34" charset="0"/>
-              </a:rPr>
-              <a:t>p**2; </a:t>
-            </a:r>
-            <a:r>
-              <a:rPr lang="en-US" sz="2200" dirty="0">
-                <a:latin typeface="Helvetica Light" panose="020B0403020202020204" pitchFamily="34" charset="0"/>
-              </a:rPr>
-              <a:t>Aa: </a:t>
-            </a:r>
-            <a:r>
-              <a:rPr lang="en-US" sz="2200" b="1" dirty="0">
-                <a:latin typeface="Helvetica Light" panose="020B0403020202020204" pitchFamily="34" charset="0"/>
-              </a:rPr>
-              <a:t>2pq;</a:t>
-            </a:r>
-            <a:r>
-              <a:rPr lang="en-US" sz="2200" dirty="0">
-                <a:latin typeface="Helvetica Light" panose="020B0403020202020204" pitchFamily="34" charset="0"/>
-              </a:rPr>
-              <a:t> aa: </a:t>
-            </a:r>
-            <a:r>
-              <a:rPr lang="en-US" sz="2200" b="1" dirty="0">
-                <a:latin typeface="Helvetica Light" panose="020B0403020202020204" pitchFamily="34" charset="0"/>
-              </a:rPr>
-              <a:t>q**2 = 1)</a:t>
-            </a:r>
-          </a:p>
-        </p:txBody>
-      </p:sp>
-      <p:sp>
-        <p:nvSpPr>
-          <p:cNvPr id="3" name="Rectangle 2">
-            <a:extLst>
-              <a:ext uri="{FF2B5EF4-FFF2-40B4-BE49-F238E27FC236}">
-                <a16:creationId xmlns:a16="http://schemas.microsoft.com/office/drawing/2014/main" id="{4E9CE7FB-2AD3-1348-8710-44B629CDD5A3}"/>
-              </a:ext>
-            </a:extLst>
-          </p:cNvPr>
-          <p:cNvSpPr/>
+        </p:txBody>
+      </p:sp>
+      <p:pic>
+        <p:nvPicPr>
+          <p:cNvPr id="6" name="Picture 5" descr="A blackboard sign on a wall&#10;&#10;Description automatically generated">
+            <a:extLst>
+              <a:ext uri="{FF2B5EF4-FFF2-40B4-BE49-F238E27FC236}">
+                <a16:creationId xmlns:a16="http://schemas.microsoft.com/office/drawing/2014/main" id="{CB5ED61C-480B-1F4F-BC6B-08EE1FCCC2BD}"/>
+              </a:ext>
+            </a:extLst>
+          </p:cNvPr>
+          <p:cNvPicPr>
+            <a:picLocks noChangeAspect="1"/>
+          </p:cNvPicPr>
           <p:nvPr/>
-        </p:nvSpPr>
+        </p:nvPicPr>
+        <p:blipFill>
+          <a:blip r:embed="rId2"/>
+          <a:stretch>
+            <a:fillRect/>
+          </a:stretch>
+        </p:blipFill>
         <p:spPr>
           <a:xfrm>
-            <a:off x="304799" y="3802153"/>
-            <a:ext cx="11372335" cy="2646878"/>
+            <a:off x="1062817" y="2687166"/>
+            <a:ext cx="6279559" cy="3721627"/>
           </a:xfrm>
           <a:prstGeom prst="rect">
             <a:avLst/>
           </a:prstGeom>
-          <a:ln w="19050">
-            <a:solidFill>
-              <a:schemeClr val="tx1"/>
-            </a:solidFill>
-          </a:ln>
         </p:spPr>
-        <p:txBody>
-          <a:bodyPr wrap="square">
-            <a:spAutoFit/>
-          </a:bodyPr>
-          <a:lstStyle/>
-          <a:p>
-            <a:r>
-              <a:rPr lang="en-US" sz="2000" b="1" dirty="0">
-                <a:latin typeface="Helvetica Light" panose="020B0403020202020204" pitchFamily="34" charset="0"/>
-              </a:rPr>
-              <a:t>Points (hints)</a:t>
-            </a:r>
-          </a:p>
-          <a:p>
-            <a:endParaRPr lang="en-US" sz="2000" b="1" dirty="0">
-              <a:latin typeface="Helvetica Light" panose="020B0403020202020204" pitchFamily="34" charset="0"/>
-            </a:endParaRPr>
-          </a:p>
-          <a:p>
-            <a:pPr marL="342900" indent="-342900">
-              <a:buFontTx/>
-              <a:buChar char="-"/>
-            </a:pPr>
-            <a:r>
-              <a:rPr lang="en-US" dirty="0">
-                <a:latin typeface="Helvetica Light" panose="020B0403020202020204" pitchFamily="34" charset="0"/>
-              </a:rPr>
-              <a:t>The program should use the </a:t>
-            </a:r>
-            <a:r>
-              <a:rPr lang="en-US" b="1" dirty="0">
-                <a:latin typeface="Helvetica Light" panose="020B0403020202020204" pitchFamily="34" charset="0"/>
-              </a:rPr>
-              <a:t>input() </a:t>
-            </a:r>
-            <a:r>
-              <a:rPr lang="en-US" dirty="0">
-                <a:latin typeface="Helvetica Light" panose="020B0403020202020204" pitchFamily="34" charset="0"/>
-              </a:rPr>
-              <a:t>function to prompt for the command line entry of two values from the command line.</a:t>
-            </a:r>
-          </a:p>
-          <a:p>
-            <a:pPr marL="342900" indent="-342900">
-              <a:buFontTx/>
-              <a:buChar char="-"/>
-            </a:pPr>
-            <a:endParaRPr lang="en-US" dirty="0">
-              <a:latin typeface="Helvetica Light" panose="020B0403020202020204" pitchFamily="34" charset="0"/>
-            </a:endParaRPr>
-          </a:p>
-          <a:p>
-            <a:pPr marL="342900" indent="-342900">
-              <a:buFontTx/>
-              <a:buChar char="-"/>
-            </a:pPr>
-            <a:r>
-              <a:rPr lang="en-US" dirty="0">
-                <a:latin typeface="Helvetica Light" panose="020B0403020202020204" pitchFamily="34" charset="0"/>
-              </a:rPr>
-              <a:t>If you supply two values, e.g., 0.2 and 0.8, python will want to treat these as strings. So, before doing math you will need to convert them to floats </a:t>
-            </a:r>
-            <a:r>
-              <a:rPr lang="en-US" b="1" dirty="0">
-                <a:latin typeface="Helvetica Light" panose="020B0403020202020204" pitchFamily="34" charset="0"/>
-              </a:rPr>
-              <a:t>(A = float(</a:t>
-            </a:r>
-            <a:r>
-              <a:rPr lang="en-US" b="1" dirty="0" err="1">
-                <a:latin typeface="Helvetica Light" panose="020B0403020202020204" pitchFamily="34" charset="0"/>
-              </a:rPr>
-              <a:t>Inputvalue</a:t>
-            </a:r>
-            <a:r>
-              <a:rPr lang="en-US" b="1" dirty="0">
-                <a:latin typeface="Helvetica Light" panose="020B0403020202020204" pitchFamily="34" charset="0"/>
-              </a:rPr>
-              <a:t>))</a:t>
-            </a:r>
-          </a:p>
-          <a:p>
-            <a:pPr marL="342900" indent="-342900">
-              <a:buFontTx/>
-              <a:buChar char="-"/>
-            </a:pPr>
-            <a:endParaRPr lang="en-US" b="1" dirty="0">
-              <a:latin typeface="Helvetica Light" panose="020B0403020202020204" pitchFamily="34" charset="0"/>
-            </a:endParaRPr>
-          </a:p>
-          <a:p>
-            <a:pPr marL="342900" indent="-342900">
-              <a:buFontTx/>
-              <a:buChar char="-"/>
-            </a:pPr>
-            <a:r>
-              <a:rPr lang="en-US" dirty="0">
-                <a:latin typeface="Helvetica Light" panose="020B0403020202020204" pitchFamily="34" charset="0"/>
-              </a:rPr>
-              <a:t>As part of this exercise, you will need to control the precision of the floats printed (e.g., % %)</a:t>
-            </a:r>
-            <a:endParaRPr lang="en-US" b="1" dirty="0">
-              <a:latin typeface="Helvetica Light" panose="020B0403020202020204" pitchFamily="34" charset="0"/>
-            </a:endParaRPr>
-          </a:p>
-        </p:txBody>
-      </p:sp>
-      <p:sp>
-        <p:nvSpPr>
-          <p:cNvPr id="4" name="TextBox 3">
-            <a:extLst>
-              <a:ext uri="{FF2B5EF4-FFF2-40B4-BE49-F238E27FC236}">
-                <a16:creationId xmlns:a16="http://schemas.microsoft.com/office/drawing/2014/main" id="{0C2FFC77-425C-444A-AB1A-BECD6F3B54C9}"/>
+      </p:pic>
+      <p:sp>
+        <p:nvSpPr>
+          <p:cNvPr id="7" name="TextBox 6">
+            <a:extLst>
+              <a:ext uri="{FF2B5EF4-FFF2-40B4-BE49-F238E27FC236}">
+                <a16:creationId xmlns:a16="http://schemas.microsoft.com/office/drawing/2014/main" id="{595CAE82-27F4-714B-9EFF-7CC1DE322C4C}"/>
               </a:ext>
             </a:extLst>
           </p:cNvPr>
@@ -6953,117 +7662,57 @@
         </p:nvSpPr>
         <p:spPr>
           <a:xfrm>
-            <a:off x="13234086" y="3484605"/>
-            <a:ext cx="184731" cy="369332"/>
+            <a:off x="7512689" y="3690730"/>
+            <a:ext cx="4483842" cy="1369606"/>
           </a:xfrm>
           <a:prstGeom prst="rect">
             <a:avLst/>
           </a:prstGeom>
           <a:noFill/>
-          <a:ln>
-            <a:solidFill>
-              <a:schemeClr val="tx1"/>
-            </a:solidFill>
-          </a:ln>
         </p:spPr>
         <p:txBody>
-          <a:bodyPr wrap="none" rtlCol="0">
+          <a:bodyPr wrap="square" rtlCol="0">
             <a:spAutoFit/>
           </a:bodyPr>
           <a:lstStyle/>
           <a:p>
-            <a:endParaRPr lang="en-US" dirty="0"/>
+            <a:r>
+              <a:rPr lang="en-US" sz="2400" dirty="0">
+                <a:latin typeface="Helvetica Light" panose="020B0403020202020204" pitchFamily="34" charset="0"/>
+              </a:rPr>
+              <a:t>Hitting tab after variable name followed by </a:t>
+            </a:r>
+            <a:r>
+              <a:rPr lang="en-US" sz="3500" b="1" dirty="0">
+                <a:latin typeface="Helvetica Light" panose="020B0403020202020204" pitchFamily="34" charset="0"/>
+              </a:rPr>
+              <a:t>.</a:t>
+            </a:r>
+            <a:r>
+              <a:rPr lang="en-US" sz="2400" b="1" dirty="0">
+                <a:latin typeface="Helvetica Light" panose="020B0403020202020204" pitchFamily="34" charset="0"/>
+              </a:rPr>
+              <a:t> </a:t>
+            </a:r>
+            <a:r>
+              <a:rPr lang="en-US" sz="2400" dirty="0">
+                <a:latin typeface="Helvetica Light" panose="020B0403020202020204" pitchFamily="34" charset="0"/>
+              </a:rPr>
+              <a:t>will list methods available to that variable.</a:t>
+            </a:r>
           </a:p>
         </p:txBody>
       </p:sp>
     </p:spTree>
     <p:extLst>
       <p:ext uri="{BB962C8B-B14F-4D97-AF65-F5344CB8AC3E}">
-        <p14:creationId xmlns:p14="http://schemas.microsoft.com/office/powerpoint/2010/main" val="697357062"/>
+        <p14:creationId xmlns:p14="http://schemas.microsoft.com/office/powerpoint/2010/main" val="1300954205"/>
       </p:ext>
     </p:extLst>
   </p:cSld>
   <p:clrMapOvr>
     <a:masterClrMapping/>
   </p:clrMapOvr>
-  <p:timing>
-    <p:tnLst>
-      <p:par>
-        <p:cTn id="1" dur="indefinite" restart="never" nodeType="tmRoot">
-          <p:childTnLst>
-            <p:seq concurrent="1" nextAc="seek">
-              <p:cTn id="2" dur="indefinite" nodeType="mainSeq">
-                <p:childTnLst>
-                  <p:par>
-                    <p:cTn id="3" fill="hold">
-                      <p:stCondLst>
-                        <p:cond delay="indefinite"/>
-                      </p:stCondLst>
-                      <p:childTnLst>
-                        <p:par>
-                          <p:cTn id="4" fill="hold">
-                            <p:stCondLst>
-                              <p:cond delay="0"/>
-                            </p:stCondLst>
-                            <p:childTnLst>
-                              <p:par>
-                                <p:cTn id="5" presetID="1" presetClass="entr" presetSubtype="0" fill="hold" grpId="0" nodeType="clickEffect">
-                                  <p:stCondLst>
-                                    <p:cond delay="0"/>
-                                  </p:stCondLst>
-                                  <p:childTnLst>
-                                    <p:set>
-                                      <p:cBhvr>
-                                        <p:cTn id="6" dur="1" fill="hold">
-                                          <p:stCondLst>
-                                            <p:cond delay="0"/>
-                                          </p:stCondLst>
-                                        </p:cTn>
-                                        <p:tgtEl>
-                                          <p:spTgt spid="3"/>
-                                        </p:tgtEl>
-                                        <p:attrNameLst>
-                                          <p:attrName>style.visibility</p:attrName>
-                                        </p:attrNameLst>
-                                      </p:cBhvr>
-                                      <p:to>
-                                        <p:strVal val="visible"/>
-                                      </p:to>
-                                    </p:set>
-                                  </p:childTnLst>
-                                </p:cTn>
-                              </p:par>
-                            </p:childTnLst>
-                          </p:cTn>
-                        </p:par>
-                      </p:childTnLst>
-                    </p:cTn>
-                  </p:par>
-                </p:childTnLst>
-              </p:cTn>
-              <p:prevCondLst>
-                <p:cond evt="onPrev" delay="0">
-                  <p:tgtEl>
-                    <p:sldTgt/>
-                  </p:tgtEl>
-                </p:cond>
-              </p:prevCondLst>
-              <p:nextCondLst>
-                <p:cond evt="onNext" delay="0">
-                  <p:tgtEl>
-                    <p:sldTgt/>
-                  </p:tgtEl>
-                </p:cond>
-              </p:nextCondLst>
-            </p:seq>
-          </p:childTnLst>
-        </p:cTn>
-      </p:par>
-    </p:tnLst>
-    <p:bldLst>
-      <p:bldP spid="3" grpId="0" animBg="1"/>
-    </p:bldLst>
-  </p:timing>
 </p:sld>
 </file>
 
